--- a/TP/TP_02_Drone/TP_Cinetique_D2C_Synthese.pptx
+++ b/TP/TP_02_Drone/TP_Cinetique_D2C_Synthese.pptx
@@ -6,6 +6,7 @@
   </p:sldMasterIdLst>
   <p:sldIdLst>
     <p:sldId id="256" r:id="rId2"/>
+    <p:sldId id="257" r:id="rId3"/>
   </p:sldIdLst>
   <p:sldSz cx="9906000" cy="6858000" type="A4"/>
   <p:notesSz cx="6858000" cy="9144000"/>
@@ -288,7 +289,7 @@
           <a:p>
             <a:fld id="{AA309A6D-C09C-4548-B29A-6CF363A7E532}" type="datetimeFigureOut">
               <a:rPr lang="fr-FR" smtClean="0"/>
-              <a:t>16/11/2017</a:t>
+              <a:t>12/12/2017</a:t>
             </a:fld>
             <a:endParaRPr lang="fr-BE"/>
           </a:p>
@@ -453,7 +454,7 @@
           <a:p>
             <a:fld id="{AA309A6D-C09C-4548-B29A-6CF363A7E532}" type="datetimeFigureOut">
               <a:rPr lang="fr-FR" smtClean="0"/>
-              <a:t>16/11/2017</a:t>
+              <a:t>12/12/2017</a:t>
             </a:fld>
             <a:endParaRPr lang="fr-BE"/>
           </a:p>
@@ -628,7 +629,7 @@
           <a:p>
             <a:fld id="{AA309A6D-C09C-4548-B29A-6CF363A7E532}" type="datetimeFigureOut">
               <a:rPr lang="fr-FR" smtClean="0"/>
-              <a:t>16/11/2017</a:t>
+              <a:t>12/12/2017</a:t>
             </a:fld>
             <a:endParaRPr lang="fr-BE"/>
           </a:p>
@@ -793,7 +794,7 @@
           <a:p>
             <a:fld id="{AA309A6D-C09C-4548-B29A-6CF363A7E532}" type="datetimeFigureOut">
               <a:rPr lang="fr-FR" smtClean="0"/>
-              <a:t>16/11/2017</a:t>
+              <a:t>12/12/2017</a:t>
             </a:fld>
             <a:endParaRPr lang="fr-BE"/>
           </a:p>
@@ -1034,7 +1035,7 @@
           <a:p>
             <a:fld id="{AA309A6D-C09C-4548-B29A-6CF363A7E532}" type="datetimeFigureOut">
               <a:rPr lang="fr-FR" smtClean="0"/>
-              <a:t>16/11/2017</a:t>
+              <a:t>12/12/2017</a:t>
             </a:fld>
             <a:endParaRPr lang="fr-BE"/>
           </a:p>
@@ -1317,7 +1318,7 @@
           <a:p>
             <a:fld id="{AA309A6D-C09C-4548-B29A-6CF363A7E532}" type="datetimeFigureOut">
               <a:rPr lang="fr-FR" smtClean="0"/>
-              <a:t>16/11/2017</a:t>
+              <a:t>12/12/2017</a:t>
             </a:fld>
             <a:endParaRPr lang="fr-BE"/>
           </a:p>
@@ -1734,7 +1735,7 @@
           <a:p>
             <a:fld id="{AA309A6D-C09C-4548-B29A-6CF363A7E532}" type="datetimeFigureOut">
               <a:rPr lang="fr-FR" smtClean="0"/>
-              <a:t>16/11/2017</a:t>
+              <a:t>12/12/2017</a:t>
             </a:fld>
             <a:endParaRPr lang="fr-BE"/>
           </a:p>
@@ -1847,7 +1848,7 @@
           <a:p>
             <a:fld id="{AA309A6D-C09C-4548-B29A-6CF363A7E532}" type="datetimeFigureOut">
               <a:rPr lang="fr-FR" smtClean="0"/>
-              <a:t>16/11/2017</a:t>
+              <a:t>12/12/2017</a:t>
             </a:fld>
             <a:endParaRPr lang="fr-BE"/>
           </a:p>
@@ -1937,7 +1938,7 @@
           <a:p>
             <a:fld id="{AA309A6D-C09C-4548-B29A-6CF363A7E532}" type="datetimeFigureOut">
               <a:rPr lang="fr-FR" smtClean="0"/>
-              <a:t>16/11/2017</a:t>
+              <a:t>12/12/2017</a:t>
             </a:fld>
             <a:endParaRPr lang="fr-BE"/>
           </a:p>
@@ -2209,7 +2210,7 @@
           <a:p>
             <a:fld id="{AA309A6D-C09C-4548-B29A-6CF363A7E532}" type="datetimeFigureOut">
               <a:rPr lang="fr-FR" smtClean="0"/>
-              <a:t>16/11/2017</a:t>
+              <a:t>12/12/2017</a:t>
             </a:fld>
             <a:endParaRPr lang="fr-BE"/>
           </a:p>
@@ -2457,7 +2458,7 @@
           <a:p>
             <a:fld id="{AA309A6D-C09C-4548-B29A-6CF363A7E532}" type="datetimeFigureOut">
               <a:rPr lang="fr-FR" smtClean="0"/>
-              <a:t>16/11/2017</a:t>
+              <a:t>12/12/2017</a:t>
             </a:fld>
             <a:endParaRPr lang="fr-BE"/>
           </a:p>
@@ -2665,7 +2666,7 @@
           <a:p>
             <a:fld id="{AA309A6D-C09C-4548-B29A-6CF363A7E532}" type="datetimeFigureOut">
               <a:rPr lang="fr-FR" smtClean="0"/>
-              <a:t>16/11/2017</a:t>
+              <a:t>12/12/2017</a:t>
             </a:fld>
             <a:endParaRPr lang="fr-BE"/>
           </a:p>
@@ -4621,6 +4622,1817 @@
     <p:extLst>
       <p:ext uri="{BB962C8B-B14F-4D97-AF65-F5344CB8AC3E}">
         <p14:creationId xmlns:p14="http://schemas.microsoft.com/office/powerpoint/2010/main" val="3840817743"/>
+      </p:ext>
+    </p:extLst>
+  </p:cSld>
+  <p:clrMapOvr>
+    <a:masterClrMapping/>
+  </p:clrMapOvr>
+  <p:timing>
+    <p:tnLst>
+      <p:par>
+        <p:cTn id="1" dur="indefinite" restart="never" nodeType="tmRoot"/>
+      </p:par>
+    </p:tnLst>
+  </p:timing>
+</p:sld>
+</file>
+
+<file path=ppt/slides/slide2.xml><?xml version="1.0" encoding="utf-8"?>
+<p:sld xmlns:a="http://schemas.openxmlformats.org/drawingml/2006/main" xmlns:r="http://schemas.openxmlformats.org/officeDocument/2006/relationships" xmlns:p="http://schemas.openxmlformats.org/presentationml/2006/main">
+  <p:cSld>
+    <p:spTree>
+      <p:nvGrpSpPr>
+        <p:cNvPr id="1" name=""/>
+        <p:cNvGrpSpPr/>
+        <p:nvPr/>
+      </p:nvGrpSpPr>
+      <p:grpSpPr>
+        <a:xfrm>
+          <a:off x="0" y="0"/>
+          <a:ext cx="0" cy="0"/>
+          <a:chOff x="0" y="0"/>
+          <a:chExt cx="0" cy="0"/>
+        </a:xfrm>
+      </p:grpSpPr>
+      <p:cxnSp>
+        <p:nvCxnSpPr>
+          <p:cNvPr id="3" name="Connecteur droit 2"/>
+          <p:cNvCxnSpPr/>
+          <p:nvPr/>
+        </p:nvCxnSpPr>
+        <p:spPr>
+          <a:xfrm>
+            <a:off x="0" y="116632"/>
+            <a:ext cx="9906000" cy="0"/>
+          </a:xfrm>
+          <a:prstGeom prst="line">
+            <a:avLst/>
+          </a:prstGeom>
+          <a:ln w="28575">
+            <a:solidFill>
+              <a:schemeClr val="accent5">
+                <a:lumMod val="50000"/>
+              </a:schemeClr>
+            </a:solidFill>
+          </a:ln>
+        </p:spPr>
+        <p:style>
+          <a:lnRef idx="1">
+            <a:schemeClr val="accent1"/>
+          </a:lnRef>
+          <a:fillRef idx="0">
+            <a:schemeClr val="accent1"/>
+          </a:fillRef>
+          <a:effectRef idx="0">
+            <a:schemeClr val="accent1"/>
+          </a:effectRef>
+          <a:fontRef idx="minor">
+            <a:schemeClr val="tx1"/>
+          </a:fontRef>
+        </p:style>
+      </p:cxnSp>
+      <p:cxnSp>
+        <p:nvCxnSpPr>
+          <p:cNvPr id="9" name="Connecteur droit 8"/>
+          <p:cNvCxnSpPr/>
+          <p:nvPr/>
+        </p:nvCxnSpPr>
+        <p:spPr>
+          <a:xfrm>
+            <a:off x="0" y="378242"/>
+            <a:ext cx="9906000" cy="0"/>
+          </a:xfrm>
+          <a:prstGeom prst="line">
+            <a:avLst/>
+          </a:prstGeom>
+          <a:ln w="28575">
+            <a:solidFill>
+              <a:schemeClr val="accent5">
+                <a:lumMod val="50000"/>
+              </a:schemeClr>
+            </a:solidFill>
+          </a:ln>
+        </p:spPr>
+        <p:style>
+          <a:lnRef idx="1">
+            <a:schemeClr val="accent1"/>
+          </a:lnRef>
+          <a:fillRef idx="0">
+            <a:schemeClr val="accent1"/>
+          </a:fillRef>
+          <a:effectRef idx="0">
+            <a:schemeClr val="accent1"/>
+          </a:effectRef>
+          <a:fontRef idx="minor">
+            <a:schemeClr val="tx1"/>
+          </a:fontRef>
+        </p:style>
+      </p:cxnSp>
+      <p:sp>
+        <p:nvSpPr>
+          <p:cNvPr id="5" name="ZoneTexte 4"/>
+          <p:cNvSpPr txBox="1"/>
+          <p:nvPr/>
+        </p:nvSpPr>
+        <p:spPr>
+          <a:xfrm>
+            <a:off x="0" y="116632"/>
+            <a:ext cx="9906000" cy="261610"/>
+          </a:xfrm>
+          <a:prstGeom prst="rect">
+            <a:avLst/>
+          </a:prstGeom>
+          <a:noFill/>
+        </p:spPr>
+        <p:txBody>
+          <a:bodyPr wrap="square" rtlCol="0">
+            <a:spAutoFit/>
+          </a:bodyPr>
+          <a:lstStyle/>
+          <a:p>
+            <a:pPr algn="ctr"/>
+            <a:r>
+              <a:rPr lang="fr-FR" sz="1050" b="1" dirty="0" smtClean="0">
+                <a:latin typeface="Tw Cen MT" pitchFamily="34" charset="0"/>
+              </a:rPr>
+              <a:t>Cycle 4 - </a:t>
+            </a:r>
+            <a:r>
+              <a:rPr lang="fr-FR" sz="1050" b="1" cap="small" dirty="0">
+                <a:latin typeface="Tw Cen MT" pitchFamily="34" charset="0"/>
+              </a:rPr>
+              <a:t>Modéliser le comportement des systèmes mécaniques dans le but d'établir une loi de comportement ou de déterminer des actions mécaniques en utilisant le </a:t>
+            </a:r>
+            <a:r>
+              <a:rPr lang="fr-FR" sz="1050" b="1" cap="small" dirty="0" smtClean="0">
+                <a:latin typeface="Tw Cen MT" pitchFamily="34" charset="0"/>
+              </a:rPr>
+              <a:t>PFD</a:t>
+            </a:r>
+            <a:endParaRPr lang="fr-FR" sz="1050" b="1" dirty="0">
+              <a:latin typeface="Tw Cen MT" pitchFamily="34" charset="0"/>
+            </a:endParaRPr>
+          </a:p>
+        </p:txBody>
+      </p:sp>
+      <p:sp>
+        <p:nvSpPr>
+          <p:cNvPr id="10" name="ZoneTexte 9"/>
+          <p:cNvSpPr txBox="1"/>
+          <p:nvPr/>
+        </p:nvSpPr>
+        <p:spPr>
+          <a:xfrm rot="16200000">
+            <a:off x="-926232" y="1474912"/>
+            <a:ext cx="2160242" cy="307777"/>
+          </a:xfrm>
+          <a:prstGeom prst="rect">
+            <a:avLst/>
+          </a:prstGeom>
+          <a:noFill/>
+        </p:spPr>
+        <p:txBody>
+          <a:bodyPr wrap="square" rtlCol="0">
+            <a:spAutoFit/>
+          </a:bodyPr>
+          <a:lstStyle/>
+          <a:p>
+            <a:pPr algn="ctr"/>
+            <a:r>
+              <a:rPr lang="fr-FR" sz="1400" b="1" dirty="0" smtClean="0"/>
+              <a:t>Expérimentation</a:t>
+            </a:r>
+            <a:endParaRPr lang="fr-FR" sz="1400" b="1" dirty="0"/>
+          </a:p>
+        </p:txBody>
+      </p:sp>
+      <p:sp>
+        <p:nvSpPr>
+          <p:cNvPr id="11" name="Rectangle 10"/>
+          <p:cNvSpPr/>
+          <p:nvPr/>
+        </p:nvSpPr>
+        <p:spPr>
+          <a:xfrm>
+            <a:off x="416496" y="548679"/>
+            <a:ext cx="3096344" cy="2160243"/>
+          </a:xfrm>
+          <a:prstGeom prst="rect">
+            <a:avLst/>
+          </a:prstGeom>
+          <a:noFill/>
+          <a:ln w="19050">
+            <a:solidFill>
+              <a:schemeClr val="accent5">
+                <a:lumMod val="50000"/>
+              </a:schemeClr>
+            </a:solidFill>
+            <a:prstDash val="sysDash"/>
+          </a:ln>
+        </p:spPr>
+        <p:style>
+          <a:lnRef idx="2">
+            <a:schemeClr val="accent1">
+              <a:shade val="50000"/>
+            </a:schemeClr>
+          </a:lnRef>
+          <a:fillRef idx="1">
+            <a:schemeClr val="accent1"/>
+          </a:fillRef>
+          <a:effectRef idx="0">
+            <a:schemeClr val="accent1"/>
+          </a:effectRef>
+          <a:fontRef idx="minor">
+            <a:schemeClr val="lt1"/>
+          </a:fontRef>
+        </p:style>
+        <p:txBody>
+          <a:bodyPr rtlCol="0" anchor="ctr"/>
+          <a:lstStyle/>
+          <a:p>
+            <a:pPr algn="ctr"/>
+            <a:endParaRPr lang="fr-FR"/>
+          </a:p>
+        </p:txBody>
+      </p:sp>
+      <p:sp>
+        <p:nvSpPr>
+          <p:cNvPr id="12" name="ZoneTexte 11"/>
+          <p:cNvSpPr txBox="1"/>
+          <p:nvPr/>
+        </p:nvSpPr>
+        <p:spPr>
+          <a:xfrm>
+            <a:off x="416496" y="2462701"/>
+            <a:ext cx="3092638" cy="246221"/>
+          </a:xfrm>
+          <a:prstGeom prst="rect">
+            <a:avLst/>
+          </a:prstGeom>
+          <a:noFill/>
+        </p:spPr>
+        <p:txBody>
+          <a:bodyPr wrap="square" rtlCol="0">
+            <a:spAutoFit/>
+          </a:bodyPr>
+          <a:lstStyle/>
+          <a:p>
+            <a:pPr algn="ctr"/>
+            <a:r>
+              <a:rPr lang="fr-FR" sz="1000" i="1" dirty="0" smtClean="0"/>
+              <a:t>Modélisation associée à l’expérimentation</a:t>
+            </a:r>
+            <a:endParaRPr lang="fr-FR" sz="1000" i="1" dirty="0"/>
+          </a:p>
+        </p:txBody>
+      </p:sp>
+      <p:sp>
+        <p:nvSpPr>
+          <p:cNvPr id="13" name="Rectangle 12"/>
+          <p:cNvSpPr/>
+          <p:nvPr/>
+        </p:nvSpPr>
+        <p:spPr>
+          <a:xfrm>
+            <a:off x="3944888" y="548679"/>
+            <a:ext cx="2880320" cy="2160243"/>
+          </a:xfrm>
+          <a:prstGeom prst="rect">
+            <a:avLst/>
+          </a:prstGeom>
+          <a:noFill/>
+          <a:ln w="19050">
+            <a:solidFill>
+              <a:schemeClr val="accent5">
+                <a:lumMod val="50000"/>
+              </a:schemeClr>
+            </a:solidFill>
+            <a:prstDash val="sysDash"/>
+          </a:ln>
+        </p:spPr>
+        <p:style>
+          <a:lnRef idx="2">
+            <a:schemeClr val="accent1">
+              <a:shade val="50000"/>
+            </a:schemeClr>
+          </a:lnRef>
+          <a:fillRef idx="1">
+            <a:schemeClr val="accent1"/>
+          </a:fillRef>
+          <a:effectRef idx="0">
+            <a:schemeClr val="accent1"/>
+          </a:effectRef>
+          <a:fontRef idx="minor">
+            <a:schemeClr val="lt1"/>
+          </a:fontRef>
+        </p:style>
+        <p:txBody>
+          <a:bodyPr rtlCol="0" anchor="ctr"/>
+          <a:lstStyle/>
+          <a:p>
+            <a:pPr algn="ctr"/>
+            <a:endParaRPr lang="fr-FR"/>
+          </a:p>
+        </p:txBody>
+      </p:sp>
+      <p:cxnSp>
+        <p:nvCxnSpPr>
+          <p:cNvPr id="15" name="Connecteur droit avec flèche 14"/>
+          <p:cNvCxnSpPr/>
+          <p:nvPr/>
+        </p:nvCxnSpPr>
+        <p:spPr>
+          <a:xfrm flipV="1">
+            <a:off x="4160912" y="692696"/>
+            <a:ext cx="0" cy="1512168"/>
+          </a:xfrm>
+          <a:prstGeom prst="straightConnector1">
+            <a:avLst/>
+          </a:prstGeom>
+          <a:ln w="12700">
+            <a:solidFill>
+              <a:schemeClr val="accent5">
+                <a:lumMod val="50000"/>
+              </a:schemeClr>
+            </a:solidFill>
+            <a:tailEnd type="stealth" w="med" len="lg"/>
+          </a:ln>
+        </p:spPr>
+        <p:style>
+          <a:lnRef idx="1">
+            <a:schemeClr val="accent1"/>
+          </a:lnRef>
+          <a:fillRef idx="0">
+            <a:schemeClr val="accent1"/>
+          </a:fillRef>
+          <a:effectRef idx="0">
+            <a:schemeClr val="accent1"/>
+          </a:effectRef>
+          <a:fontRef idx="minor">
+            <a:schemeClr val="tx1"/>
+          </a:fontRef>
+        </p:style>
+      </p:cxnSp>
+      <p:cxnSp>
+        <p:nvCxnSpPr>
+          <p:cNvPr id="16" name="Connecteur droit avec flèche 15"/>
+          <p:cNvCxnSpPr/>
+          <p:nvPr/>
+        </p:nvCxnSpPr>
+        <p:spPr>
+          <a:xfrm>
+            <a:off x="4016896" y="1484784"/>
+            <a:ext cx="2376264" cy="0"/>
+          </a:xfrm>
+          <a:prstGeom prst="straightConnector1">
+            <a:avLst/>
+          </a:prstGeom>
+          <a:ln w="12700">
+            <a:solidFill>
+              <a:schemeClr val="accent5">
+                <a:lumMod val="50000"/>
+              </a:schemeClr>
+            </a:solidFill>
+            <a:tailEnd type="stealth" w="med" len="lg"/>
+          </a:ln>
+        </p:spPr>
+        <p:style>
+          <a:lnRef idx="1">
+            <a:schemeClr val="accent1"/>
+          </a:lnRef>
+          <a:fillRef idx="0">
+            <a:schemeClr val="accent1"/>
+          </a:fillRef>
+          <a:effectRef idx="0">
+            <a:schemeClr val="accent1"/>
+          </a:effectRef>
+          <a:fontRef idx="minor">
+            <a:schemeClr val="tx1"/>
+          </a:fontRef>
+        </p:style>
+      </p:cxnSp>
+      <p:sp>
+        <p:nvSpPr>
+          <p:cNvPr id="19" name="ZoneTexte 18"/>
+          <p:cNvSpPr txBox="1"/>
+          <p:nvPr/>
+        </p:nvSpPr>
+        <p:spPr>
+          <a:xfrm>
+            <a:off x="3944888" y="569585"/>
+            <a:ext cx="2880320" cy="246221"/>
+          </a:xfrm>
+          <a:prstGeom prst="rect">
+            <a:avLst/>
+          </a:prstGeom>
+          <a:noFill/>
+        </p:spPr>
+        <p:txBody>
+          <a:bodyPr wrap="square" rtlCol="0">
+            <a:spAutoFit/>
+          </a:bodyPr>
+          <a:lstStyle/>
+          <a:p>
+            <a:pPr algn="ctr"/>
+            <a:r>
+              <a:rPr lang="fr-FR" sz="1000" i="1" dirty="0" smtClean="0"/>
+              <a:t>Résultat de l’expérimentation</a:t>
+            </a:r>
+            <a:endParaRPr lang="fr-FR" sz="1000" i="1" dirty="0"/>
+          </a:p>
+        </p:txBody>
+      </p:sp>
+      <p:sp>
+        <p:nvSpPr>
+          <p:cNvPr id="20" name="ZoneTexte 19"/>
+          <p:cNvSpPr txBox="1"/>
+          <p:nvPr/>
+        </p:nvSpPr>
+        <p:spPr>
+          <a:xfrm>
+            <a:off x="3940797" y="2357640"/>
+            <a:ext cx="2880320" cy="369332"/>
+          </a:xfrm>
+          <a:prstGeom prst="rect">
+            <a:avLst/>
+          </a:prstGeom>
+          <a:noFill/>
+        </p:spPr>
+        <p:txBody>
+          <a:bodyPr wrap="square" rtlCol="0">
+            <a:spAutoFit/>
+          </a:bodyPr>
+          <a:lstStyle/>
+          <a:p>
+            <a:pPr algn="ctr"/>
+            <a:r>
+              <a:rPr lang="fr-FR" sz="900" i="1" dirty="0" err="1" smtClean="0"/>
+              <a:t>Tp</a:t>
+            </a:r>
+            <a:r>
+              <a:rPr lang="fr-FR" sz="900" i="1" dirty="0" smtClean="0"/>
+              <a:t> = 0,2 (2s pour 10 oscillations) k = 0,43.10</a:t>
+            </a:r>
+            <a:r>
+              <a:rPr lang="fr-FR" sz="900" i="1" baseline="30000" dirty="0" smtClean="0"/>
+              <a:t>3</a:t>
+            </a:r>
+            <a:r>
+              <a:rPr lang="fr-FR" sz="900" i="1" dirty="0" smtClean="0"/>
+              <a:t>N/m </a:t>
+            </a:r>
+          </a:p>
+          <a:p>
+            <a:pPr algn="ctr"/>
+            <a:r>
+              <a:rPr lang="fr-FR" sz="900" i="1" dirty="0" smtClean="0"/>
+              <a:t>J = 9,4 10</a:t>
+            </a:r>
+            <a:r>
+              <a:rPr lang="fr-FR" sz="900" i="1" baseline="30000" dirty="0" smtClean="0"/>
+              <a:t>-3</a:t>
+            </a:r>
+            <a:r>
+              <a:rPr lang="fr-FR" sz="900" i="1" dirty="0" smtClean="0"/>
+              <a:t> kg.m²</a:t>
+            </a:r>
+            <a:endParaRPr lang="fr-FR" sz="900" i="1" dirty="0"/>
+          </a:p>
+        </p:txBody>
+      </p:sp>
+      <p:grpSp>
+        <p:nvGrpSpPr>
+          <p:cNvPr id="28" name="Groupe 27"/>
+          <p:cNvGrpSpPr/>
+          <p:nvPr/>
+        </p:nvGrpSpPr>
+        <p:grpSpPr>
+          <a:xfrm>
+            <a:off x="7113240" y="548679"/>
+            <a:ext cx="432048" cy="2160243"/>
+            <a:chOff x="7113240" y="548679"/>
+            <a:chExt cx="432048" cy="2160243"/>
+          </a:xfrm>
+        </p:grpSpPr>
+        <p:sp>
+          <p:nvSpPr>
+            <p:cNvPr id="23" name="Rectangle 22"/>
+            <p:cNvSpPr/>
+            <p:nvPr/>
+          </p:nvSpPr>
+          <p:spPr>
+            <a:xfrm>
+              <a:off x="7113240" y="548679"/>
+              <a:ext cx="432048" cy="2160242"/>
+            </a:xfrm>
+            <a:prstGeom prst="rect">
+              <a:avLst/>
+            </a:prstGeom>
+            <a:noFill/>
+            <a:ln w="19050">
+              <a:solidFill>
+                <a:srgbClr val="C00000"/>
+              </a:solidFill>
+              <a:prstDash val="sysDash"/>
+            </a:ln>
+          </p:spPr>
+          <p:style>
+            <a:lnRef idx="2">
+              <a:schemeClr val="accent1">
+                <a:shade val="50000"/>
+              </a:schemeClr>
+            </a:lnRef>
+            <a:fillRef idx="1">
+              <a:schemeClr val="accent1"/>
+            </a:fillRef>
+            <a:effectRef idx="0">
+              <a:schemeClr val="accent1"/>
+            </a:effectRef>
+            <a:fontRef idx="minor">
+              <a:schemeClr val="lt1"/>
+            </a:fontRef>
+          </p:style>
+          <p:txBody>
+            <a:bodyPr rtlCol="0" anchor="ctr"/>
+            <a:lstStyle/>
+            <a:p>
+              <a:pPr algn="ctr"/>
+              <a:endParaRPr lang="fr-FR"/>
+            </a:p>
+          </p:txBody>
+        </p:sp>
+        <p:sp>
+          <p:nvSpPr>
+            <p:cNvPr id="24" name="ZoneTexte 23"/>
+            <p:cNvSpPr txBox="1"/>
+            <p:nvPr/>
+          </p:nvSpPr>
+          <p:spPr>
+            <a:xfrm rot="16200000">
+              <a:off x="6253614" y="1474913"/>
+              <a:ext cx="2160241" cy="307777"/>
+            </a:xfrm>
+            <a:prstGeom prst="rect">
+              <a:avLst/>
+            </a:prstGeom>
+            <a:noFill/>
+          </p:spPr>
+          <p:txBody>
+            <a:bodyPr wrap="square" rtlCol="0">
+              <a:spAutoFit/>
+            </a:bodyPr>
+            <a:lstStyle/>
+            <a:p>
+              <a:r>
+                <a:rPr lang="fr-FR" sz="1400" i="1" dirty="0" err="1" smtClean="0"/>
+                <a:t>J</a:t>
+              </a:r>
+              <a:r>
+                <a:rPr lang="fr-FR" sz="1400" i="1" baseline="-25000" dirty="0" err="1" smtClean="0"/>
+                <a:t>exp</a:t>
+              </a:r>
+              <a:r>
+                <a:rPr lang="fr-FR" sz="1400" i="1" dirty="0" smtClean="0"/>
+                <a:t> </a:t>
+              </a:r>
+              <a:r>
+                <a:rPr lang="fr-FR" sz="1400" i="1" dirty="0"/>
+                <a:t>= 9,4 10</a:t>
+              </a:r>
+              <a:r>
+                <a:rPr lang="fr-FR" sz="1400" i="1" baseline="30000" dirty="0"/>
+                <a:t>-3</a:t>
+              </a:r>
+              <a:r>
+                <a:rPr lang="fr-FR" sz="1400" i="1" dirty="0"/>
+                <a:t> kg.m² </a:t>
+              </a:r>
+            </a:p>
+          </p:txBody>
+        </p:sp>
+      </p:grpSp>
+      <p:sp>
+        <p:nvSpPr>
+          <p:cNvPr id="25" name="ZoneTexte 24"/>
+          <p:cNvSpPr txBox="1"/>
+          <p:nvPr/>
+        </p:nvSpPr>
+        <p:spPr>
+          <a:xfrm rot="16200000">
+            <a:off x="-786951" y="3675350"/>
+            <a:ext cx="1935830" cy="307777"/>
+          </a:xfrm>
+          <a:prstGeom prst="rect">
+            <a:avLst/>
+          </a:prstGeom>
+          <a:noFill/>
+        </p:spPr>
+        <p:txBody>
+          <a:bodyPr wrap="square" rtlCol="0">
+            <a:spAutoFit/>
+          </a:bodyPr>
+          <a:lstStyle/>
+          <a:p>
+            <a:pPr algn="ctr"/>
+            <a:r>
+              <a:rPr lang="fr-FR" sz="1400" b="1" dirty="0" smtClean="0"/>
+              <a:t>Modélisation acausale</a:t>
+            </a:r>
+            <a:endParaRPr lang="fr-FR" sz="1400" b="1" dirty="0"/>
+          </a:p>
+        </p:txBody>
+      </p:sp>
+      <p:sp>
+        <p:nvSpPr>
+          <p:cNvPr id="30" name="Rectangle 29"/>
+          <p:cNvSpPr/>
+          <p:nvPr/>
+        </p:nvSpPr>
+        <p:spPr>
+          <a:xfrm>
+            <a:off x="7108769" y="2861323"/>
+            <a:ext cx="432048" cy="1935832"/>
+          </a:xfrm>
+          <a:prstGeom prst="rect">
+            <a:avLst/>
+          </a:prstGeom>
+          <a:noFill/>
+          <a:ln w="19050">
+            <a:solidFill>
+              <a:srgbClr val="C00000"/>
+            </a:solidFill>
+            <a:prstDash val="sysDash"/>
+          </a:ln>
+        </p:spPr>
+        <p:style>
+          <a:lnRef idx="2">
+            <a:schemeClr val="accent1">
+              <a:shade val="50000"/>
+            </a:schemeClr>
+          </a:lnRef>
+          <a:fillRef idx="1">
+            <a:schemeClr val="accent1"/>
+          </a:fillRef>
+          <a:effectRef idx="0">
+            <a:schemeClr val="accent1"/>
+          </a:effectRef>
+          <a:fontRef idx="minor">
+            <a:schemeClr val="lt1"/>
+          </a:fontRef>
+        </p:style>
+        <p:txBody>
+          <a:bodyPr rtlCol="0" anchor="ctr"/>
+          <a:lstStyle/>
+          <a:p>
+            <a:pPr algn="ctr"/>
+            <a:endParaRPr lang="fr-FR"/>
+          </a:p>
+        </p:txBody>
+      </p:sp>
+      <p:sp>
+        <p:nvSpPr>
+          <p:cNvPr id="31" name="ZoneTexte 30"/>
+          <p:cNvSpPr txBox="1"/>
+          <p:nvPr/>
+        </p:nvSpPr>
+        <p:spPr>
+          <a:xfrm rot="16200000">
+            <a:off x="6361348" y="3644573"/>
+            <a:ext cx="1935832" cy="369332"/>
+          </a:xfrm>
+          <a:prstGeom prst="rect">
+            <a:avLst/>
+          </a:prstGeom>
+          <a:noFill/>
+        </p:spPr>
+        <p:txBody>
+          <a:bodyPr wrap="square" rtlCol="0">
+            <a:spAutoFit/>
+          </a:bodyPr>
+          <a:lstStyle/>
+          <a:p>
+            <a:r>
+              <a:rPr lang="fr-FR" i="1" dirty="0" err="1" smtClean="0"/>
+              <a:t>J</a:t>
+            </a:r>
+            <a:r>
+              <a:rPr lang="fr-FR" i="1" baseline="-25000" dirty="0" err="1" smtClean="0"/>
+              <a:t>sim</a:t>
+            </a:r>
+            <a:r>
+              <a:rPr lang="fr-FR" i="1" dirty="0" smtClean="0"/>
+              <a:t> = </a:t>
+            </a:r>
+            <a:endParaRPr lang="fr-FR" i="1" dirty="0"/>
+          </a:p>
+        </p:txBody>
+      </p:sp>
+      <p:pic>
+        <p:nvPicPr>
+          <p:cNvPr id="1026" name="Picture 2"/>
+          <p:cNvPicPr>
+            <a:picLocks noChangeAspect="1" noChangeArrowheads="1"/>
+          </p:cNvPicPr>
+          <p:nvPr/>
+        </p:nvPicPr>
+        <p:blipFill>
+          <a:blip r:embed="rId2" cstate="print">
+            <a:extLst>
+              <a:ext uri="{28A0092B-C50C-407E-A947-70E740481C1C}">
+                <a14:useLocalDpi xmlns:a14="http://schemas.microsoft.com/office/drawing/2010/main" val="0"/>
+              </a:ext>
+            </a:extLst>
+          </a:blip>
+          <a:srcRect/>
+          <a:stretch>
+            <a:fillRect/>
+          </a:stretch>
+        </p:blipFill>
+        <p:spPr bwMode="auto">
+          <a:xfrm>
+            <a:off x="437491" y="2976943"/>
+            <a:ext cx="3054354" cy="1632584"/>
+          </a:xfrm>
+          <a:prstGeom prst="rect">
+            <a:avLst/>
+          </a:prstGeom>
+          <a:noFill/>
+          <a:ln>
+            <a:noFill/>
+          </a:ln>
+          <a:effectLst/>
+          <a:extLst>
+            <a:ext uri="{909E8E84-426E-40DD-AFC4-6F175D3DCCD1}">
+              <a14:hiddenFill xmlns:a14="http://schemas.microsoft.com/office/drawing/2010/main">
+                <a:solidFill>
+                  <a:schemeClr val="accent1"/>
+                </a:solidFill>
+              </a14:hiddenFill>
+            </a:ext>
+            <a:ext uri="{91240B29-F687-4F45-9708-019B960494DF}">
+              <a14:hiddenLine xmlns:a14="http://schemas.microsoft.com/office/drawing/2010/main" w="9525">
+                <a:solidFill>
+                  <a:schemeClr val="tx1"/>
+                </a:solidFill>
+                <a:miter lim="800000"/>
+                <a:headEnd/>
+                <a:tailEnd/>
+              </a14:hiddenLine>
+            </a:ext>
+            <a:ext uri="{AF507438-7753-43E0-B8FC-AC1667EBCBE1}">
+              <a14:hiddenEffects xmlns:a14="http://schemas.microsoft.com/office/drawing/2010/main">
+                <a:effectLst>
+                  <a:outerShdw dist="35921" dir="2700000" algn="ctr" rotWithShape="0">
+                    <a:schemeClr val="bg2"/>
+                  </a:outerShdw>
+                </a:effectLst>
+              </a14:hiddenEffects>
+            </a:ext>
+          </a:extLst>
+        </p:spPr>
+      </p:pic>
+      <p:sp>
+        <p:nvSpPr>
+          <p:cNvPr id="33" name="Rectangle 32"/>
+          <p:cNvSpPr/>
+          <p:nvPr/>
+        </p:nvSpPr>
+        <p:spPr>
+          <a:xfrm>
+            <a:off x="3943650" y="2872420"/>
+            <a:ext cx="2881558" cy="1935832"/>
+          </a:xfrm>
+          <a:prstGeom prst="rect">
+            <a:avLst/>
+          </a:prstGeom>
+          <a:noFill/>
+          <a:ln w="19050">
+            <a:solidFill>
+              <a:schemeClr val="accent5">
+                <a:lumMod val="50000"/>
+              </a:schemeClr>
+            </a:solidFill>
+            <a:prstDash val="sysDash"/>
+          </a:ln>
+        </p:spPr>
+        <p:style>
+          <a:lnRef idx="2">
+            <a:schemeClr val="accent1">
+              <a:shade val="50000"/>
+            </a:schemeClr>
+          </a:lnRef>
+          <a:fillRef idx="1">
+            <a:schemeClr val="accent1"/>
+          </a:fillRef>
+          <a:effectRef idx="0">
+            <a:schemeClr val="accent1"/>
+          </a:effectRef>
+          <a:fontRef idx="minor">
+            <a:schemeClr val="lt1"/>
+          </a:fontRef>
+        </p:style>
+        <p:txBody>
+          <a:bodyPr rtlCol="0" anchor="ctr"/>
+          <a:lstStyle/>
+          <a:p>
+            <a:pPr algn="ctr"/>
+            <a:endParaRPr lang="fr-FR"/>
+          </a:p>
+        </p:txBody>
+      </p:sp>
+      <p:cxnSp>
+        <p:nvCxnSpPr>
+          <p:cNvPr id="34" name="Connecteur droit avec flèche 33"/>
+          <p:cNvCxnSpPr/>
+          <p:nvPr/>
+        </p:nvCxnSpPr>
+        <p:spPr>
+          <a:xfrm flipV="1">
+            <a:off x="4169296" y="3037151"/>
+            <a:ext cx="0" cy="1512168"/>
+          </a:xfrm>
+          <a:prstGeom prst="straightConnector1">
+            <a:avLst/>
+          </a:prstGeom>
+          <a:ln w="12700">
+            <a:solidFill>
+              <a:schemeClr val="accent5">
+                <a:lumMod val="50000"/>
+              </a:schemeClr>
+            </a:solidFill>
+            <a:tailEnd type="stealth" w="med" len="lg"/>
+          </a:ln>
+        </p:spPr>
+        <p:style>
+          <a:lnRef idx="1">
+            <a:schemeClr val="accent1"/>
+          </a:lnRef>
+          <a:fillRef idx="0">
+            <a:schemeClr val="accent1"/>
+          </a:fillRef>
+          <a:effectRef idx="0">
+            <a:schemeClr val="accent1"/>
+          </a:effectRef>
+          <a:fontRef idx="minor">
+            <a:schemeClr val="tx1"/>
+          </a:fontRef>
+        </p:style>
+      </p:cxnSp>
+      <p:cxnSp>
+        <p:nvCxnSpPr>
+          <p:cNvPr id="35" name="Connecteur droit avec flèche 34"/>
+          <p:cNvCxnSpPr/>
+          <p:nvPr/>
+        </p:nvCxnSpPr>
+        <p:spPr>
+          <a:xfrm>
+            <a:off x="4025280" y="3829239"/>
+            <a:ext cx="2376264" cy="0"/>
+          </a:xfrm>
+          <a:prstGeom prst="straightConnector1">
+            <a:avLst/>
+          </a:prstGeom>
+          <a:ln w="12700">
+            <a:solidFill>
+              <a:schemeClr val="accent5">
+                <a:lumMod val="50000"/>
+              </a:schemeClr>
+            </a:solidFill>
+            <a:tailEnd type="stealth" w="med" len="lg"/>
+          </a:ln>
+        </p:spPr>
+        <p:style>
+          <a:lnRef idx="1">
+            <a:schemeClr val="accent1"/>
+          </a:lnRef>
+          <a:fillRef idx="0">
+            <a:schemeClr val="accent1"/>
+          </a:fillRef>
+          <a:effectRef idx="0">
+            <a:schemeClr val="accent1"/>
+          </a:effectRef>
+          <a:fontRef idx="minor">
+            <a:schemeClr val="tx1"/>
+          </a:fontRef>
+        </p:style>
+      </p:cxnSp>
+      <p:sp>
+        <p:nvSpPr>
+          <p:cNvPr id="36" name="ZoneTexte 35"/>
+          <p:cNvSpPr txBox="1"/>
+          <p:nvPr/>
+        </p:nvSpPr>
+        <p:spPr>
+          <a:xfrm>
+            <a:off x="3953272" y="2914040"/>
+            <a:ext cx="2880320" cy="246221"/>
+          </a:xfrm>
+          <a:prstGeom prst="rect">
+            <a:avLst/>
+          </a:prstGeom>
+          <a:noFill/>
+        </p:spPr>
+        <p:txBody>
+          <a:bodyPr wrap="square" rtlCol="0">
+            <a:spAutoFit/>
+          </a:bodyPr>
+          <a:lstStyle/>
+          <a:p>
+            <a:pPr algn="ctr"/>
+            <a:r>
+              <a:rPr lang="fr-FR" sz="1000" i="1" dirty="0" smtClean="0"/>
+              <a:t>Résultat de la modélisation</a:t>
+            </a:r>
+            <a:endParaRPr lang="fr-FR" sz="1000" i="1" dirty="0"/>
+          </a:p>
+        </p:txBody>
+      </p:sp>
+      <p:sp>
+        <p:nvSpPr>
+          <p:cNvPr id="37" name="ZoneTexte 36"/>
+          <p:cNvSpPr txBox="1"/>
+          <p:nvPr/>
+        </p:nvSpPr>
+        <p:spPr>
+          <a:xfrm>
+            <a:off x="3953272" y="4077072"/>
+            <a:ext cx="2880320" cy="246221"/>
+          </a:xfrm>
+          <a:prstGeom prst="rect">
+            <a:avLst/>
+          </a:prstGeom>
+          <a:noFill/>
+        </p:spPr>
+        <p:txBody>
+          <a:bodyPr wrap="square" rtlCol="0">
+            <a:spAutoFit/>
+          </a:bodyPr>
+          <a:lstStyle/>
+          <a:p>
+            <a:pPr algn="ctr"/>
+            <a:r>
+              <a:rPr lang="fr-FR" sz="1000" i="1" dirty="0" smtClean="0"/>
+              <a:t>Méthode pour identifier J</a:t>
+            </a:r>
+            <a:endParaRPr lang="fr-FR" sz="1000" i="1" dirty="0"/>
+          </a:p>
+        </p:txBody>
+      </p:sp>
+      <p:sp>
+        <p:nvSpPr>
+          <p:cNvPr id="38" name="ZoneTexte 37"/>
+          <p:cNvSpPr txBox="1"/>
+          <p:nvPr/>
+        </p:nvSpPr>
+        <p:spPr>
+          <a:xfrm rot="16200000">
+            <a:off x="-776548" y="5705625"/>
+            <a:ext cx="1935830" cy="307777"/>
+          </a:xfrm>
+          <a:prstGeom prst="rect">
+            <a:avLst/>
+          </a:prstGeom>
+          <a:noFill/>
+        </p:spPr>
+        <p:txBody>
+          <a:bodyPr wrap="square" rtlCol="0">
+            <a:spAutoFit/>
+          </a:bodyPr>
+          <a:lstStyle/>
+          <a:p>
+            <a:pPr algn="ctr"/>
+            <a:r>
+              <a:rPr lang="fr-FR" sz="1400" b="1" dirty="0" smtClean="0"/>
+              <a:t>Modélisation SW</a:t>
+            </a:r>
+            <a:endParaRPr lang="fr-FR" sz="1400" b="1" dirty="0"/>
+          </a:p>
+        </p:txBody>
+      </p:sp>
+      <p:sp>
+        <p:nvSpPr>
+          <p:cNvPr id="39" name="Rectangle 38"/>
+          <p:cNvSpPr/>
+          <p:nvPr/>
+        </p:nvSpPr>
+        <p:spPr>
+          <a:xfrm>
+            <a:off x="416496" y="5013175"/>
+            <a:ext cx="3096344" cy="1584177"/>
+          </a:xfrm>
+          <a:prstGeom prst="rect">
+            <a:avLst/>
+          </a:prstGeom>
+          <a:noFill/>
+          <a:ln w="19050">
+            <a:solidFill>
+              <a:schemeClr val="accent5">
+                <a:lumMod val="50000"/>
+              </a:schemeClr>
+            </a:solidFill>
+            <a:prstDash val="sysDash"/>
+          </a:ln>
+        </p:spPr>
+        <p:style>
+          <a:lnRef idx="2">
+            <a:schemeClr val="accent1">
+              <a:shade val="50000"/>
+            </a:schemeClr>
+          </a:lnRef>
+          <a:fillRef idx="1">
+            <a:schemeClr val="accent1"/>
+          </a:fillRef>
+          <a:effectRef idx="0">
+            <a:schemeClr val="accent1"/>
+          </a:effectRef>
+          <a:fontRef idx="minor">
+            <a:schemeClr val="lt1"/>
+          </a:fontRef>
+        </p:style>
+        <p:txBody>
+          <a:bodyPr rtlCol="0" anchor="ctr"/>
+          <a:lstStyle/>
+          <a:p>
+            <a:pPr algn="ctr"/>
+            <a:endParaRPr lang="fr-FR"/>
+          </a:p>
+        </p:txBody>
+      </p:sp>
+      <p:sp>
+        <p:nvSpPr>
+          <p:cNvPr id="40" name="ZoneTexte 39"/>
+          <p:cNvSpPr txBox="1"/>
+          <p:nvPr/>
+        </p:nvSpPr>
+        <p:spPr>
+          <a:xfrm>
+            <a:off x="479851" y="5119604"/>
+            <a:ext cx="1935832" cy="400110"/>
+          </a:xfrm>
+          <a:prstGeom prst="rect">
+            <a:avLst/>
+          </a:prstGeom>
+          <a:noFill/>
+        </p:spPr>
+        <p:txBody>
+          <a:bodyPr wrap="square" rtlCol="0">
+            <a:spAutoFit/>
+          </a:bodyPr>
+          <a:lstStyle/>
+          <a:p>
+            <a:r>
+              <a:rPr lang="fr-FR" sz="2000" i="1" dirty="0" err="1" smtClean="0"/>
+              <a:t>J</a:t>
+            </a:r>
+            <a:r>
+              <a:rPr lang="fr-FR" sz="2000" i="1" baseline="-25000" dirty="0" err="1" smtClean="0"/>
+              <a:t>Huygens</a:t>
+            </a:r>
+            <a:r>
+              <a:rPr lang="fr-FR" sz="2000" i="1" dirty="0" smtClean="0"/>
+              <a:t> = </a:t>
+            </a:r>
+            <a:endParaRPr lang="fr-FR" sz="2000" i="1" dirty="0"/>
+          </a:p>
+        </p:txBody>
+      </p:sp>
+      <p:sp>
+        <p:nvSpPr>
+          <p:cNvPr id="42" name="ZoneTexte 41"/>
+          <p:cNvSpPr txBox="1"/>
+          <p:nvPr/>
+        </p:nvSpPr>
+        <p:spPr>
+          <a:xfrm>
+            <a:off x="479851" y="6093296"/>
+            <a:ext cx="2015423" cy="400110"/>
+          </a:xfrm>
+          <a:prstGeom prst="rect">
+            <a:avLst/>
+          </a:prstGeom>
+          <a:noFill/>
+        </p:spPr>
+        <p:txBody>
+          <a:bodyPr wrap="square" rtlCol="0">
+            <a:spAutoFit/>
+          </a:bodyPr>
+          <a:lstStyle/>
+          <a:p>
+            <a:r>
+              <a:rPr lang="fr-FR" sz="2000" i="1" dirty="0" err="1" smtClean="0"/>
+              <a:t>J</a:t>
+            </a:r>
+            <a:r>
+              <a:rPr lang="fr-FR" sz="2000" i="1" baseline="-25000" dirty="0" err="1" smtClean="0"/>
+              <a:t>SolidWorks</a:t>
+            </a:r>
+            <a:r>
+              <a:rPr lang="fr-FR" sz="2000" i="1" dirty="0" smtClean="0"/>
+              <a:t> = </a:t>
+            </a:r>
+            <a:endParaRPr lang="fr-FR" sz="2000" i="1" dirty="0"/>
+          </a:p>
+        </p:txBody>
+      </p:sp>
+      <p:sp>
+        <p:nvSpPr>
+          <p:cNvPr id="43" name="Rectangle 42"/>
+          <p:cNvSpPr/>
+          <p:nvPr/>
+        </p:nvSpPr>
+        <p:spPr>
+          <a:xfrm>
+            <a:off x="3943650" y="5013175"/>
+            <a:ext cx="2881558" cy="1584177"/>
+          </a:xfrm>
+          <a:prstGeom prst="rect">
+            <a:avLst/>
+          </a:prstGeom>
+          <a:noFill/>
+          <a:ln w="19050">
+            <a:solidFill>
+              <a:schemeClr val="accent5">
+                <a:lumMod val="50000"/>
+              </a:schemeClr>
+            </a:solidFill>
+            <a:prstDash val="sysDash"/>
+          </a:ln>
+        </p:spPr>
+        <p:style>
+          <a:lnRef idx="2">
+            <a:schemeClr val="accent1">
+              <a:shade val="50000"/>
+            </a:schemeClr>
+          </a:lnRef>
+          <a:fillRef idx="1">
+            <a:schemeClr val="accent1"/>
+          </a:fillRef>
+          <a:effectRef idx="0">
+            <a:schemeClr val="accent1"/>
+          </a:effectRef>
+          <a:fontRef idx="minor">
+            <a:schemeClr val="lt1"/>
+          </a:fontRef>
+        </p:style>
+        <p:txBody>
+          <a:bodyPr rtlCol="0" anchor="ctr"/>
+          <a:lstStyle/>
+          <a:p>
+            <a:pPr algn="ctr"/>
+            <a:endParaRPr lang="fr-FR"/>
+          </a:p>
+        </p:txBody>
+      </p:sp>
+      <p:sp>
+        <p:nvSpPr>
+          <p:cNvPr id="44" name="ZoneTexte 43"/>
+          <p:cNvSpPr txBox="1"/>
+          <p:nvPr/>
+        </p:nvSpPr>
+        <p:spPr>
+          <a:xfrm>
+            <a:off x="3943650" y="5032865"/>
+            <a:ext cx="2880320" cy="246221"/>
+          </a:xfrm>
+          <a:prstGeom prst="rect">
+            <a:avLst/>
+          </a:prstGeom>
+          <a:noFill/>
+        </p:spPr>
+        <p:txBody>
+          <a:bodyPr wrap="square" rtlCol="0">
+            <a:spAutoFit/>
+          </a:bodyPr>
+          <a:lstStyle/>
+          <a:p>
+            <a:pPr algn="ctr"/>
+            <a:r>
+              <a:rPr lang="fr-FR" sz="1000" i="1" dirty="0" smtClean="0"/>
+              <a:t>Origines des écarts entre les deux inerties calculées</a:t>
+            </a:r>
+            <a:endParaRPr lang="fr-FR" sz="1000" i="1" dirty="0"/>
+          </a:p>
+        </p:txBody>
+      </p:sp>
+      <p:sp>
+        <p:nvSpPr>
+          <p:cNvPr id="45" name="ZoneTexte 44"/>
+          <p:cNvSpPr txBox="1"/>
+          <p:nvPr/>
+        </p:nvSpPr>
+        <p:spPr>
+          <a:xfrm>
+            <a:off x="3934028" y="6279123"/>
+            <a:ext cx="2880320" cy="246221"/>
+          </a:xfrm>
+          <a:prstGeom prst="rect">
+            <a:avLst/>
+          </a:prstGeom>
+          <a:noFill/>
+        </p:spPr>
+        <p:txBody>
+          <a:bodyPr wrap="square" rtlCol="0">
+            <a:spAutoFit/>
+          </a:bodyPr>
+          <a:lstStyle/>
+          <a:p>
+            <a:r>
+              <a:rPr lang="fr-FR" sz="1000" i="1" dirty="0" smtClean="0"/>
+              <a:t>Inertie retenue :</a:t>
+            </a:r>
+            <a:endParaRPr lang="fr-FR" sz="1000" i="1" dirty="0"/>
+          </a:p>
+        </p:txBody>
+      </p:sp>
+      <p:grpSp>
+        <p:nvGrpSpPr>
+          <p:cNvPr id="47" name="Groupe 46"/>
+          <p:cNvGrpSpPr/>
+          <p:nvPr/>
+        </p:nvGrpSpPr>
+        <p:grpSpPr>
+          <a:xfrm>
+            <a:off x="7113240" y="5013174"/>
+            <a:ext cx="432048" cy="1584177"/>
+            <a:chOff x="7113240" y="548679"/>
+            <a:chExt cx="432048" cy="2160244"/>
+          </a:xfrm>
+        </p:grpSpPr>
+        <p:sp>
+          <p:nvSpPr>
+            <p:cNvPr id="48" name="Rectangle 47"/>
+            <p:cNvSpPr/>
+            <p:nvPr/>
+          </p:nvSpPr>
+          <p:spPr>
+            <a:xfrm>
+              <a:off x="7113240" y="548679"/>
+              <a:ext cx="432048" cy="2160242"/>
+            </a:xfrm>
+            <a:prstGeom prst="rect">
+              <a:avLst/>
+            </a:prstGeom>
+            <a:noFill/>
+            <a:ln w="19050">
+              <a:solidFill>
+                <a:srgbClr val="C00000"/>
+              </a:solidFill>
+              <a:prstDash val="sysDash"/>
+            </a:ln>
+          </p:spPr>
+          <p:style>
+            <a:lnRef idx="2">
+              <a:schemeClr val="accent1">
+                <a:shade val="50000"/>
+              </a:schemeClr>
+            </a:lnRef>
+            <a:fillRef idx="1">
+              <a:schemeClr val="accent1"/>
+            </a:fillRef>
+            <a:effectRef idx="0">
+              <a:schemeClr val="accent1"/>
+            </a:effectRef>
+            <a:fontRef idx="minor">
+              <a:schemeClr val="lt1"/>
+            </a:fontRef>
+          </p:style>
+          <p:txBody>
+            <a:bodyPr rtlCol="0" anchor="ctr"/>
+            <a:lstStyle/>
+            <a:p>
+              <a:pPr algn="ctr"/>
+              <a:endParaRPr lang="fr-FR"/>
+            </a:p>
+          </p:txBody>
+        </p:sp>
+        <p:sp>
+          <p:nvSpPr>
+            <p:cNvPr id="49" name="ZoneTexte 48"/>
+            <p:cNvSpPr txBox="1"/>
+            <p:nvPr/>
+          </p:nvSpPr>
+          <p:spPr>
+            <a:xfrm rot="16200000">
+              <a:off x="6253614" y="1444137"/>
+              <a:ext cx="2160241" cy="369332"/>
+            </a:xfrm>
+            <a:prstGeom prst="rect">
+              <a:avLst/>
+            </a:prstGeom>
+            <a:noFill/>
+          </p:spPr>
+          <p:txBody>
+            <a:bodyPr wrap="square" rtlCol="0">
+              <a:spAutoFit/>
+            </a:bodyPr>
+            <a:lstStyle/>
+            <a:p>
+              <a:r>
+                <a:rPr lang="fr-FR" i="1" dirty="0" smtClean="0"/>
+                <a:t>J</a:t>
+              </a:r>
+              <a:r>
+                <a:rPr lang="fr-FR" i="1" baseline="-25000" dirty="0" smtClean="0"/>
+                <a:t>SW</a:t>
+              </a:r>
+              <a:r>
+                <a:rPr lang="fr-FR" i="1" dirty="0" smtClean="0"/>
+                <a:t> = </a:t>
+              </a:r>
+              <a:endParaRPr lang="fr-FR" i="1" dirty="0"/>
+            </a:p>
+          </p:txBody>
+        </p:sp>
+      </p:grpSp>
+      <p:sp>
+        <p:nvSpPr>
+          <p:cNvPr id="55" name="Rectangle 54"/>
+          <p:cNvSpPr/>
+          <p:nvPr/>
+        </p:nvSpPr>
+        <p:spPr>
+          <a:xfrm>
+            <a:off x="7689304" y="548682"/>
+            <a:ext cx="1944216" cy="6048670"/>
+          </a:xfrm>
+          <a:prstGeom prst="rect">
+            <a:avLst/>
+          </a:prstGeom>
+          <a:noFill/>
+          <a:ln w="19050">
+            <a:solidFill>
+              <a:srgbClr val="C00000"/>
+            </a:solidFill>
+            <a:prstDash val="sysDash"/>
+          </a:ln>
+        </p:spPr>
+        <p:style>
+          <a:lnRef idx="2">
+            <a:schemeClr val="accent1">
+              <a:shade val="50000"/>
+            </a:schemeClr>
+          </a:lnRef>
+          <a:fillRef idx="1">
+            <a:schemeClr val="accent1"/>
+          </a:fillRef>
+          <a:effectRef idx="0">
+            <a:schemeClr val="accent1"/>
+          </a:effectRef>
+          <a:fontRef idx="minor">
+            <a:schemeClr val="lt1"/>
+          </a:fontRef>
+        </p:style>
+        <p:txBody>
+          <a:bodyPr rtlCol="0" anchor="ctr"/>
+          <a:lstStyle/>
+          <a:p>
+            <a:pPr algn="ctr"/>
+            <a:endParaRPr lang="fr-FR"/>
+          </a:p>
+        </p:txBody>
+      </p:sp>
+      <p:sp>
+        <p:nvSpPr>
+          <p:cNvPr id="57" name="ZoneTexte 56"/>
+          <p:cNvSpPr txBox="1"/>
+          <p:nvPr/>
+        </p:nvSpPr>
+        <p:spPr>
+          <a:xfrm>
+            <a:off x="7689304" y="548682"/>
+            <a:ext cx="1944216" cy="246221"/>
+          </a:xfrm>
+          <a:prstGeom prst="rect">
+            <a:avLst/>
+          </a:prstGeom>
+          <a:noFill/>
+        </p:spPr>
+        <p:txBody>
+          <a:bodyPr wrap="square" rtlCol="0">
+            <a:spAutoFit/>
+          </a:bodyPr>
+          <a:lstStyle/>
+          <a:p>
+            <a:pPr algn="ctr"/>
+            <a:r>
+              <a:rPr lang="fr-FR" sz="1000" i="1" dirty="0" smtClean="0"/>
+              <a:t>Écarts</a:t>
+            </a:r>
+            <a:r>
+              <a:rPr lang="fr-FR" sz="1000" i="1" dirty="0"/>
+              <a:t> </a:t>
+            </a:r>
+            <a:r>
+              <a:rPr lang="fr-FR" sz="1000" i="1" dirty="0" err="1" smtClean="0"/>
+              <a:t>J</a:t>
+            </a:r>
+            <a:r>
+              <a:rPr lang="fr-FR" sz="1000" i="1" baseline="-25000" dirty="0" err="1" smtClean="0"/>
+              <a:t>exp</a:t>
+            </a:r>
+            <a:r>
+              <a:rPr lang="fr-FR" sz="1000" i="1" dirty="0"/>
+              <a:t> </a:t>
+            </a:r>
+            <a:r>
+              <a:rPr lang="fr-FR" sz="1000" i="1" dirty="0" smtClean="0"/>
+              <a:t>– </a:t>
+            </a:r>
+            <a:r>
+              <a:rPr lang="fr-FR" sz="1000" i="1" dirty="0" err="1" smtClean="0"/>
+              <a:t>J</a:t>
+            </a:r>
+            <a:r>
+              <a:rPr lang="fr-FR" sz="1000" i="1" baseline="-25000" dirty="0" err="1" smtClean="0"/>
+              <a:t>sim</a:t>
+            </a:r>
+            <a:endParaRPr lang="fr-FR" sz="1000" i="1" baseline="-25000" dirty="0"/>
+          </a:p>
+        </p:txBody>
+      </p:sp>
+      <p:sp>
+        <p:nvSpPr>
+          <p:cNvPr id="58" name="ZoneTexte 57"/>
+          <p:cNvSpPr txBox="1"/>
+          <p:nvPr/>
+        </p:nvSpPr>
+        <p:spPr>
+          <a:xfrm>
+            <a:off x="7689304" y="1996984"/>
+            <a:ext cx="1944216" cy="246221"/>
+          </a:xfrm>
+          <a:prstGeom prst="rect">
+            <a:avLst/>
+          </a:prstGeom>
+          <a:noFill/>
+        </p:spPr>
+        <p:txBody>
+          <a:bodyPr wrap="square" rtlCol="0">
+            <a:spAutoFit/>
+          </a:bodyPr>
+          <a:lstStyle/>
+          <a:p>
+            <a:pPr algn="ctr"/>
+            <a:r>
+              <a:rPr lang="fr-FR" sz="1000" i="1" dirty="0" smtClean="0"/>
+              <a:t>Écarts</a:t>
+            </a:r>
+            <a:r>
+              <a:rPr lang="fr-FR" sz="1000" i="1" dirty="0"/>
+              <a:t> </a:t>
+            </a:r>
+            <a:r>
+              <a:rPr lang="fr-FR" sz="1000" i="1" dirty="0" err="1" smtClean="0"/>
+              <a:t>J</a:t>
+            </a:r>
+            <a:r>
+              <a:rPr lang="fr-FR" sz="1000" i="1" baseline="-25000" dirty="0" err="1" smtClean="0"/>
+              <a:t>exp</a:t>
+            </a:r>
+            <a:r>
+              <a:rPr lang="fr-FR" sz="1000" i="1" dirty="0"/>
+              <a:t> </a:t>
+            </a:r>
+            <a:r>
+              <a:rPr lang="fr-FR" sz="1000" i="1" dirty="0" smtClean="0"/>
+              <a:t>– J</a:t>
+            </a:r>
+            <a:r>
+              <a:rPr lang="fr-FR" sz="1000" i="1" baseline="-25000" dirty="0" smtClean="0"/>
+              <a:t>SW</a:t>
+            </a:r>
+            <a:endParaRPr lang="fr-FR" sz="1000" i="1" baseline="-25000" dirty="0"/>
+          </a:p>
+        </p:txBody>
+      </p:sp>
+      <p:sp>
+        <p:nvSpPr>
+          <p:cNvPr id="59" name="ZoneTexte 58"/>
+          <p:cNvSpPr txBox="1"/>
+          <p:nvPr/>
+        </p:nvSpPr>
+        <p:spPr>
+          <a:xfrm>
+            <a:off x="7689304" y="3445286"/>
+            <a:ext cx="1944216" cy="246221"/>
+          </a:xfrm>
+          <a:prstGeom prst="rect">
+            <a:avLst/>
+          </a:prstGeom>
+          <a:noFill/>
+        </p:spPr>
+        <p:txBody>
+          <a:bodyPr wrap="square" rtlCol="0">
+            <a:spAutoFit/>
+          </a:bodyPr>
+          <a:lstStyle/>
+          <a:p>
+            <a:pPr algn="ctr"/>
+            <a:r>
+              <a:rPr lang="fr-FR" sz="1000" i="1" dirty="0" smtClean="0"/>
+              <a:t>Écarts</a:t>
+            </a:r>
+            <a:r>
+              <a:rPr lang="fr-FR" sz="1000" i="1" dirty="0"/>
+              <a:t> </a:t>
+            </a:r>
+            <a:r>
+              <a:rPr lang="fr-FR" sz="1000" i="1" dirty="0" smtClean="0"/>
+              <a:t>J</a:t>
+            </a:r>
+            <a:r>
+              <a:rPr lang="fr-FR" sz="1000" i="1" baseline="-25000" dirty="0" smtClean="0"/>
+              <a:t>SW</a:t>
+            </a:r>
+            <a:r>
+              <a:rPr lang="fr-FR" sz="1000" i="1" dirty="0" smtClean="0"/>
+              <a:t> – </a:t>
+            </a:r>
+            <a:r>
+              <a:rPr lang="fr-FR" sz="1000" i="1" dirty="0" err="1" smtClean="0"/>
+              <a:t>J</a:t>
+            </a:r>
+            <a:r>
+              <a:rPr lang="fr-FR" sz="1000" i="1" baseline="-25000" dirty="0" err="1" smtClean="0"/>
+              <a:t>sim</a:t>
+            </a:r>
+            <a:endParaRPr lang="fr-FR" sz="1000" i="1" baseline="-25000" dirty="0"/>
+          </a:p>
+        </p:txBody>
+      </p:sp>
+      <p:sp>
+        <p:nvSpPr>
+          <p:cNvPr id="60" name="ZoneTexte 59"/>
+          <p:cNvSpPr txBox="1"/>
+          <p:nvPr/>
+        </p:nvSpPr>
+        <p:spPr>
+          <a:xfrm>
+            <a:off x="7689304" y="4893588"/>
+            <a:ext cx="1944216" cy="246221"/>
+          </a:xfrm>
+          <a:prstGeom prst="rect">
+            <a:avLst/>
+          </a:prstGeom>
+          <a:noFill/>
+        </p:spPr>
+        <p:txBody>
+          <a:bodyPr wrap="square" rtlCol="0">
+            <a:spAutoFit/>
+          </a:bodyPr>
+          <a:lstStyle/>
+          <a:p>
+            <a:pPr algn="ctr"/>
+            <a:r>
+              <a:rPr lang="fr-FR" sz="1000" i="1" dirty="0" smtClean="0"/>
+              <a:t>Bilan</a:t>
+            </a:r>
+            <a:endParaRPr lang="fr-FR" sz="1000" i="1" baseline="-25000" dirty="0"/>
+          </a:p>
+        </p:txBody>
+      </p:sp>
+      <p:pic>
+        <p:nvPicPr>
+          <p:cNvPr id="2" name="Picture 2"/>
+          <p:cNvPicPr>
+            <a:picLocks noChangeAspect="1" noChangeArrowheads="1"/>
+          </p:cNvPicPr>
+          <p:nvPr/>
+        </p:nvPicPr>
+        <p:blipFill>
+          <a:blip r:embed="rId3" cstate="print">
+            <a:extLst>
+              <a:ext uri="{28A0092B-C50C-407E-A947-70E740481C1C}">
+                <a14:useLocalDpi xmlns:a14="http://schemas.microsoft.com/office/drawing/2010/main" val="0"/>
+              </a:ext>
+            </a:extLst>
+          </a:blip>
+          <a:srcRect/>
+          <a:stretch>
+            <a:fillRect/>
+          </a:stretch>
+        </p:blipFill>
+        <p:spPr bwMode="auto">
+          <a:xfrm>
+            <a:off x="4226591" y="781799"/>
+            <a:ext cx="1608854" cy="1405968"/>
+          </a:xfrm>
+          <a:prstGeom prst="rect">
+            <a:avLst/>
+          </a:prstGeom>
+          <a:noFill/>
+          <a:ln>
+            <a:noFill/>
+          </a:ln>
+          <a:extLst>
+            <a:ext uri="{909E8E84-426E-40DD-AFC4-6F175D3DCCD1}">
+              <a14:hiddenFill xmlns:a14="http://schemas.microsoft.com/office/drawing/2010/main">
+                <a:solidFill>
+                  <a:srgbClr val="FFFFFF"/>
+                </a:solidFill>
+              </a14:hiddenFill>
+            </a:ext>
+            <a:ext uri="{91240B29-F687-4F45-9708-019B960494DF}">
+              <a14:hiddenLine xmlns:a14="http://schemas.microsoft.com/office/drawing/2010/main" w="9525">
+                <a:solidFill>
+                  <a:srgbClr val="000000"/>
+                </a:solidFill>
+                <a:miter lim="800000"/>
+                <a:headEnd/>
+                <a:tailEnd/>
+              </a14:hiddenLine>
+            </a:ext>
+          </a:extLst>
+        </p:spPr>
+      </p:pic>
+      <p:pic>
+        <p:nvPicPr>
+          <p:cNvPr id="1029" name="Picture 5"/>
+          <p:cNvPicPr>
+            <a:picLocks noChangeAspect="1" noChangeArrowheads="1"/>
+          </p:cNvPicPr>
+          <p:nvPr/>
+        </p:nvPicPr>
+        <p:blipFill>
+          <a:blip r:embed="rId4" cstate="print">
+            <a:extLst>
+              <a:ext uri="{28A0092B-C50C-407E-A947-70E740481C1C}">
+                <a14:useLocalDpi xmlns:a14="http://schemas.microsoft.com/office/drawing/2010/main" val="0"/>
+              </a:ext>
+            </a:extLst>
+          </a:blip>
+          <a:srcRect/>
+          <a:stretch>
+            <a:fillRect/>
+          </a:stretch>
+        </p:blipFill>
+        <p:spPr bwMode="auto">
+          <a:xfrm>
+            <a:off x="480921" y="843858"/>
+            <a:ext cx="1140929" cy="1281851"/>
+          </a:xfrm>
+          <a:prstGeom prst="rect">
+            <a:avLst/>
+          </a:prstGeom>
+          <a:noFill/>
+          <a:extLst>
+            <a:ext uri="{909E8E84-426E-40DD-AFC4-6F175D3DCCD1}">
+              <a14:hiddenFill xmlns:a14="http://schemas.microsoft.com/office/drawing/2010/main">
+                <a:solidFill>
+                  <a:srgbClr val="FFFFFF"/>
+                </a:solidFill>
+              </a14:hiddenFill>
+            </a:ext>
+          </a:extLst>
+        </p:spPr>
+      </p:pic>
+      <p:pic>
+        <p:nvPicPr>
+          <p:cNvPr id="1049" name="Picture 25"/>
+          <p:cNvPicPr>
+            <a:picLocks noChangeAspect="1" noChangeArrowheads="1"/>
+          </p:cNvPicPr>
+          <p:nvPr/>
+        </p:nvPicPr>
+        <p:blipFill rotWithShape="1">
+          <a:blip r:embed="rId5" cstate="print">
+            <a:extLst>
+              <a:ext uri="{28A0092B-C50C-407E-A947-70E740481C1C}">
+                <a14:useLocalDpi xmlns:a14="http://schemas.microsoft.com/office/drawing/2010/main" val="0"/>
+              </a:ext>
+            </a:extLst>
+          </a:blip>
+          <a:srcRect r="58504"/>
+          <a:stretch/>
+        </p:blipFill>
+        <p:spPr bwMode="auto">
+          <a:xfrm>
+            <a:off x="1784648" y="577423"/>
+            <a:ext cx="1628924" cy="1885617"/>
+          </a:xfrm>
+          <a:prstGeom prst="rect">
+            <a:avLst/>
+          </a:prstGeom>
+          <a:noFill/>
+          <a:extLst>
+            <a:ext uri="{909E8E84-426E-40DD-AFC4-6F175D3DCCD1}">
+              <a14:hiddenFill xmlns:a14="http://schemas.microsoft.com/office/drawing/2010/main">
+                <a:solidFill>
+                  <a:srgbClr val="FFFFFF"/>
+                </a:solidFill>
+              </a14:hiddenFill>
+            </a:ext>
+          </a:extLst>
+        </p:spPr>
+      </p:pic>
+      <p:sp>
+        <p:nvSpPr>
+          <p:cNvPr id="26" name="Rectangle 25"/>
+          <p:cNvSpPr/>
+          <p:nvPr/>
+        </p:nvSpPr>
+        <p:spPr>
+          <a:xfrm>
+            <a:off x="416496" y="2861323"/>
+            <a:ext cx="3096344" cy="1935832"/>
+          </a:xfrm>
+          <a:prstGeom prst="rect">
+            <a:avLst/>
+          </a:prstGeom>
+          <a:noFill/>
+          <a:ln w="19050">
+            <a:solidFill>
+              <a:schemeClr val="accent5">
+                <a:lumMod val="50000"/>
+              </a:schemeClr>
+            </a:solidFill>
+            <a:prstDash val="sysDash"/>
+          </a:ln>
+        </p:spPr>
+        <p:style>
+          <a:lnRef idx="2">
+            <a:schemeClr val="accent1">
+              <a:shade val="50000"/>
+            </a:schemeClr>
+          </a:lnRef>
+          <a:fillRef idx="1">
+            <a:schemeClr val="accent1"/>
+          </a:fillRef>
+          <a:effectRef idx="0">
+            <a:schemeClr val="accent1"/>
+          </a:effectRef>
+          <a:fontRef idx="minor">
+            <a:schemeClr val="lt1"/>
+          </a:fontRef>
+        </p:style>
+        <p:txBody>
+          <a:bodyPr rtlCol="0" anchor="ctr"/>
+          <a:lstStyle/>
+          <a:p>
+            <a:pPr algn="ctr"/>
+            <a:endParaRPr lang="fr-FR"/>
+          </a:p>
+        </p:txBody>
+      </p:sp>
+      <p:pic>
+        <p:nvPicPr>
+          <p:cNvPr id="4" name="Picture 2"/>
+          <p:cNvPicPr>
+            <a:picLocks noChangeAspect="1" noChangeArrowheads="1"/>
+          </p:cNvPicPr>
+          <p:nvPr/>
+        </p:nvPicPr>
+        <p:blipFill>
+          <a:blip r:embed="rId6" cstate="print">
+            <a:extLst>
+              <a:ext uri="{28A0092B-C50C-407E-A947-70E740481C1C}">
+                <a14:useLocalDpi xmlns:a14="http://schemas.microsoft.com/office/drawing/2010/main" val="0"/>
+              </a:ext>
+            </a:extLst>
+          </a:blip>
+          <a:srcRect/>
+          <a:stretch>
+            <a:fillRect/>
+          </a:stretch>
+        </p:blipFill>
+        <p:spPr bwMode="auto">
+          <a:xfrm>
+            <a:off x="4900328" y="3141593"/>
+            <a:ext cx="986208" cy="848306"/>
+          </a:xfrm>
+          <a:prstGeom prst="rect">
+            <a:avLst/>
+          </a:prstGeom>
+          <a:noFill/>
+          <a:ln>
+            <a:noFill/>
+          </a:ln>
+          <a:extLst>
+            <a:ext uri="{909E8E84-426E-40DD-AFC4-6F175D3DCCD1}">
+              <a14:hiddenFill xmlns:a14="http://schemas.microsoft.com/office/drawing/2010/main">
+                <a:solidFill>
+                  <a:srgbClr val="FFFFFF"/>
+                </a:solidFill>
+              </a14:hiddenFill>
+            </a:ext>
+            <a:ext uri="{91240B29-F687-4F45-9708-019B960494DF}">
+              <a14:hiddenLine xmlns:a14="http://schemas.microsoft.com/office/drawing/2010/main" w="9525">
+                <a:solidFill>
+                  <a:srgbClr val="000000"/>
+                </a:solidFill>
+                <a:miter lim="800000"/>
+                <a:headEnd/>
+                <a:tailEnd/>
+              </a14:hiddenLine>
+            </a:ext>
+          </a:extLst>
+        </p:spPr>
+      </p:pic>
+    </p:spTree>
+    <p:extLst>
+      <p:ext uri="{BB962C8B-B14F-4D97-AF65-F5344CB8AC3E}">
+        <p14:creationId xmlns:p14="http://schemas.microsoft.com/office/powerpoint/2010/main" val="4133791433"/>
       </p:ext>
     </p:extLst>
   </p:cSld>

--- a/TP/TP_02_Drone/TP_Cinetique_D2C_Synthese.pptx
+++ b/TP/TP_02_Drone/TP_Cinetique_D2C_Synthese.pptx
@@ -105,6 +105,22 @@
       </a:defRPr>
     </a:lvl9pPr>
   </p:defaultTextStyle>
+  <p:extLst>
+    <p:ext uri="{EFAFB233-063F-42B5-8137-9DF3F51BA10A}">
+      <p15:sldGuideLst xmlns:p15="http://schemas.microsoft.com/office/powerpoint/2012/main">
+        <p15:guide id="1" orient="horz" pos="2160">
+          <p15:clr>
+            <a:srgbClr val="A4A3A4"/>
+          </p15:clr>
+        </p15:guide>
+        <p15:guide id="2" pos="3120">
+          <p15:clr>
+            <a:srgbClr val="A4A3A4"/>
+          </p15:clr>
+        </p15:guide>
+      </p15:sldGuideLst>
+    </p:ext>
+  </p:extLst>
 </p:presentation>
 </file>
 
@@ -146,7 +162,7 @@
           <a:lstStyle/>
           <a:p>
             <a:r>
-              <a:rPr lang="fr-FR" smtClean="0"/>
+              <a:rPr lang="fr-FR"/>
               <a:t>Cliquez pour modifier le style du titre</a:t>
             </a:r>
             <a:endParaRPr lang="fr-BE"/>
@@ -265,7 +281,7 @@
           </a:lstStyle>
           <a:p>
             <a:r>
-              <a:rPr lang="fr-FR" smtClean="0"/>
+              <a:rPr lang="fr-FR"/>
               <a:t>Cliquez pour modifier le style des sous-titres du masque</a:t>
             </a:r>
             <a:endParaRPr lang="fr-BE"/>
@@ -289,7 +305,7 @@
           <a:p>
             <a:fld id="{AA309A6D-C09C-4548-B29A-6CF363A7E532}" type="datetimeFigureOut">
               <a:rPr lang="fr-FR" smtClean="0"/>
-              <a:t>12/12/2017</a:t>
+              <a:t>06/12/2019</a:t>
             </a:fld>
             <a:endParaRPr lang="fr-BE"/>
           </a:p>
@@ -378,7 +394,7 @@
           <a:lstStyle/>
           <a:p>
             <a:r>
-              <a:rPr lang="fr-FR" smtClean="0"/>
+              <a:rPr lang="fr-FR"/>
               <a:t>Cliquez pour modifier le style du titre</a:t>
             </a:r>
             <a:endParaRPr lang="fr-BE"/>
@@ -402,35 +418,35 @@
           <a:p>
             <a:pPr lvl="0"/>
             <a:r>
-              <a:rPr lang="fr-FR" smtClean="0"/>
+              <a:rPr lang="fr-FR"/>
               <a:t>Cliquez pour modifier les styles du texte du masque</a:t>
             </a:r>
           </a:p>
           <a:p>
             <a:pPr lvl="1"/>
             <a:r>
-              <a:rPr lang="fr-FR" smtClean="0"/>
+              <a:rPr lang="fr-FR"/>
               <a:t>Deuxième niveau</a:t>
             </a:r>
           </a:p>
           <a:p>
             <a:pPr lvl="2"/>
             <a:r>
-              <a:rPr lang="fr-FR" smtClean="0"/>
+              <a:rPr lang="fr-FR"/>
               <a:t>Troisième niveau</a:t>
             </a:r>
           </a:p>
           <a:p>
             <a:pPr lvl="3"/>
             <a:r>
-              <a:rPr lang="fr-FR" smtClean="0"/>
+              <a:rPr lang="fr-FR"/>
               <a:t>Quatrième niveau</a:t>
             </a:r>
           </a:p>
           <a:p>
             <a:pPr lvl="4"/>
             <a:r>
-              <a:rPr lang="fr-FR" smtClean="0"/>
+              <a:rPr lang="fr-FR"/>
               <a:t>Cinquième niveau</a:t>
             </a:r>
             <a:endParaRPr lang="fr-BE"/>
@@ -454,7 +470,7 @@
           <a:p>
             <a:fld id="{AA309A6D-C09C-4548-B29A-6CF363A7E532}" type="datetimeFigureOut">
               <a:rPr lang="fr-FR" smtClean="0"/>
-              <a:t>12/12/2017</a:t>
+              <a:t>06/12/2019</a:t>
             </a:fld>
             <a:endParaRPr lang="fr-BE"/>
           </a:p>
@@ -548,7 +564,7 @@
           <a:lstStyle/>
           <a:p>
             <a:r>
-              <a:rPr lang="fr-FR" smtClean="0"/>
+              <a:rPr lang="fr-FR"/>
               <a:t>Cliquez pour modifier le style du titre</a:t>
             </a:r>
             <a:endParaRPr lang="fr-BE"/>
@@ -577,35 +593,35 @@
           <a:p>
             <a:pPr lvl="0"/>
             <a:r>
-              <a:rPr lang="fr-FR" smtClean="0"/>
+              <a:rPr lang="fr-FR"/>
               <a:t>Cliquez pour modifier les styles du texte du masque</a:t>
             </a:r>
           </a:p>
           <a:p>
             <a:pPr lvl="1"/>
             <a:r>
-              <a:rPr lang="fr-FR" smtClean="0"/>
+              <a:rPr lang="fr-FR"/>
               <a:t>Deuxième niveau</a:t>
             </a:r>
           </a:p>
           <a:p>
             <a:pPr lvl="2"/>
             <a:r>
-              <a:rPr lang="fr-FR" smtClean="0"/>
+              <a:rPr lang="fr-FR"/>
               <a:t>Troisième niveau</a:t>
             </a:r>
           </a:p>
           <a:p>
             <a:pPr lvl="3"/>
             <a:r>
-              <a:rPr lang="fr-FR" smtClean="0"/>
+              <a:rPr lang="fr-FR"/>
               <a:t>Quatrième niveau</a:t>
             </a:r>
           </a:p>
           <a:p>
             <a:pPr lvl="4"/>
             <a:r>
-              <a:rPr lang="fr-FR" smtClean="0"/>
+              <a:rPr lang="fr-FR"/>
               <a:t>Cinquième niveau</a:t>
             </a:r>
             <a:endParaRPr lang="fr-BE"/>
@@ -629,7 +645,7 @@
           <a:p>
             <a:fld id="{AA309A6D-C09C-4548-B29A-6CF363A7E532}" type="datetimeFigureOut">
               <a:rPr lang="fr-FR" smtClean="0"/>
-              <a:t>12/12/2017</a:t>
+              <a:t>06/12/2019</a:t>
             </a:fld>
             <a:endParaRPr lang="fr-BE"/>
           </a:p>
@@ -718,7 +734,7 @@
           <a:lstStyle/>
           <a:p>
             <a:r>
-              <a:rPr lang="fr-FR" smtClean="0"/>
+              <a:rPr lang="fr-FR"/>
               <a:t>Cliquez pour modifier le style du titre</a:t>
             </a:r>
             <a:endParaRPr lang="fr-BE"/>
@@ -742,35 +758,35 @@
           <a:p>
             <a:pPr lvl="0"/>
             <a:r>
-              <a:rPr lang="fr-FR" smtClean="0"/>
+              <a:rPr lang="fr-FR"/>
               <a:t>Cliquez pour modifier les styles du texte du masque</a:t>
             </a:r>
           </a:p>
           <a:p>
             <a:pPr lvl="1"/>
             <a:r>
-              <a:rPr lang="fr-FR" smtClean="0"/>
+              <a:rPr lang="fr-FR"/>
               <a:t>Deuxième niveau</a:t>
             </a:r>
           </a:p>
           <a:p>
             <a:pPr lvl="2"/>
             <a:r>
-              <a:rPr lang="fr-FR" smtClean="0"/>
+              <a:rPr lang="fr-FR"/>
               <a:t>Troisième niveau</a:t>
             </a:r>
           </a:p>
           <a:p>
             <a:pPr lvl="3"/>
             <a:r>
-              <a:rPr lang="fr-FR" smtClean="0"/>
+              <a:rPr lang="fr-FR"/>
               <a:t>Quatrième niveau</a:t>
             </a:r>
           </a:p>
           <a:p>
             <a:pPr lvl="4"/>
             <a:r>
-              <a:rPr lang="fr-FR" smtClean="0"/>
+              <a:rPr lang="fr-FR"/>
               <a:t>Cinquième niveau</a:t>
             </a:r>
             <a:endParaRPr lang="fr-BE"/>
@@ -794,7 +810,7 @@
           <a:p>
             <a:fld id="{AA309A6D-C09C-4548-B29A-6CF363A7E532}" type="datetimeFigureOut">
               <a:rPr lang="fr-FR" smtClean="0"/>
-              <a:t>12/12/2017</a:t>
+              <a:t>06/12/2019</a:t>
             </a:fld>
             <a:endParaRPr lang="fr-BE"/>
           </a:p>
@@ -892,7 +908,7 @@
           </a:lstStyle>
           <a:p>
             <a:r>
-              <a:rPr lang="fr-FR" smtClean="0"/>
+              <a:rPr lang="fr-FR"/>
               <a:t>Cliquez pour modifier le style du titre</a:t>
             </a:r>
             <a:endParaRPr lang="fr-BE"/>
@@ -1012,7 +1028,7 @@
           <a:p>
             <a:pPr lvl="0"/>
             <a:r>
-              <a:rPr lang="fr-FR" smtClean="0"/>
+              <a:rPr lang="fr-FR"/>
               <a:t>Cliquez pour modifier les styles du texte du masque</a:t>
             </a:r>
           </a:p>
@@ -1035,7 +1051,7 @@
           <a:p>
             <a:fld id="{AA309A6D-C09C-4548-B29A-6CF363A7E532}" type="datetimeFigureOut">
               <a:rPr lang="fr-FR" smtClean="0"/>
-              <a:t>12/12/2017</a:t>
+              <a:t>06/12/2019</a:t>
             </a:fld>
             <a:endParaRPr lang="fr-BE"/>
           </a:p>
@@ -1124,7 +1140,7 @@
           <a:lstStyle/>
           <a:p>
             <a:r>
-              <a:rPr lang="fr-FR" smtClean="0"/>
+              <a:rPr lang="fr-FR"/>
               <a:t>Cliquez pour modifier le style du titre</a:t>
             </a:r>
             <a:endParaRPr lang="fr-BE"/>
@@ -1181,35 +1197,35 @@
           <a:p>
             <a:pPr lvl="0"/>
             <a:r>
-              <a:rPr lang="fr-FR" smtClean="0"/>
+              <a:rPr lang="fr-FR"/>
               <a:t>Cliquez pour modifier les styles du texte du masque</a:t>
             </a:r>
           </a:p>
           <a:p>
             <a:pPr lvl="1"/>
             <a:r>
-              <a:rPr lang="fr-FR" smtClean="0"/>
+              <a:rPr lang="fr-FR"/>
               <a:t>Deuxième niveau</a:t>
             </a:r>
           </a:p>
           <a:p>
             <a:pPr lvl="2"/>
             <a:r>
-              <a:rPr lang="fr-FR" smtClean="0"/>
+              <a:rPr lang="fr-FR"/>
               <a:t>Troisième niveau</a:t>
             </a:r>
           </a:p>
           <a:p>
             <a:pPr lvl="3"/>
             <a:r>
-              <a:rPr lang="fr-FR" smtClean="0"/>
+              <a:rPr lang="fr-FR"/>
               <a:t>Quatrième niveau</a:t>
             </a:r>
           </a:p>
           <a:p>
             <a:pPr lvl="4"/>
             <a:r>
-              <a:rPr lang="fr-FR" smtClean="0"/>
+              <a:rPr lang="fr-FR"/>
               <a:t>Cinquième niveau</a:t>
             </a:r>
             <a:endParaRPr lang="fr-BE"/>
@@ -1266,35 +1282,35 @@
           <a:p>
             <a:pPr lvl="0"/>
             <a:r>
-              <a:rPr lang="fr-FR" smtClean="0"/>
+              <a:rPr lang="fr-FR"/>
               <a:t>Cliquez pour modifier les styles du texte du masque</a:t>
             </a:r>
           </a:p>
           <a:p>
             <a:pPr lvl="1"/>
             <a:r>
-              <a:rPr lang="fr-FR" smtClean="0"/>
+              <a:rPr lang="fr-FR"/>
               <a:t>Deuxième niveau</a:t>
             </a:r>
           </a:p>
           <a:p>
             <a:pPr lvl="2"/>
             <a:r>
-              <a:rPr lang="fr-FR" smtClean="0"/>
+              <a:rPr lang="fr-FR"/>
               <a:t>Troisième niveau</a:t>
             </a:r>
           </a:p>
           <a:p>
             <a:pPr lvl="3"/>
             <a:r>
-              <a:rPr lang="fr-FR" smtClean="0"/>
+              <a:rPr lang="fr-FR"/>
               <a:t>Quatrième niveau</a:t>
             </a:r>
           </a:p>
           <a:p>
             <a:pPr lvl="4"/>
             <a:r>
-              <a:rPr lang="fr-FR" smtClean="0"/>
+              <a:rPr lang="fr-FR"/>
               <a:t>Cinquième niveau</a:t>
             </a:r>
             <a:endParaRPr lang="fr-BE"/>
@@ -1318,7 +1334,7 @@
           <a:p>
             <a:fld id="{AA309A6D-C09C-4548-B29A-6CF363A7E532}" type="datetimeFigureOut">
               <a:rPr lang="fr-FR" smtClean="0"/>
-              <a:t>12/12/2017</a:t>
+              <a:t>06/12/2019</a:t>
             </a:fld>
             <a:endParaRPr lang="fr-BE"/>
           </a:p>
@@ -1411,7 +1427,7 @@
           </a:lstStyle>
           <a:p>
             <a:r>
-              <a:rPr lang="fr-FR" smtClean="0"/>
+              <a:rPr lang="fr-FR"/>
               <a:t>Cliquez pour modifier le style du titre</a:t>
             </a:r>
             <a:endParaRPr lang="fr-BE"/>
@@ -1477,7 +1493,7 @@
           <a:p>
             <a:pPr lvl="0"/>
             <a:r>
-              <a:rPr lang="fr-FR" smtClean="0"/>
+              <a:rPr lang="fr-FR"/>
               <a:t>Cliquez pour modifier les styles du texte du masque</a:t>
             </a:r>
           </a:p>
@@ -1533,35 +1549,35 @@
           <a:p>
             <a:pPr lvl="0"/>
             <a:r>
-              <a:rPr lang="fr-FR" smtClean="0"/>
+              <a:rPr lang="fr-FR"/>
               <a:t>Cliquez pour modifier les styles du texte du masque</a:t>
             </a:r>
           </a:p>
           <a:p>
             <a:pPr lvl="1"/>
             <a:r>
-              <a:rPr lang="fr-FR" smtClean="0"/>
+              <a:rPr lang="fr-FR"/>
               <a:t>Deuxième niveau</a:t>
             </a:r>
           </a:p>
           <a:p>
             <a:pPr lvl="2"/>
             <a:r>
-              <a:rPr lang="fr-FR" smtClean="0"/>
+              <a:rPr lang="fr-FR"/>
               <a:t>Troisième niveau</a:t>
             </a:r>
           </a:p>
           <a:p>
             <a:pPr lvl="3"/>
             <a:r>
-              <a:rPr lang="fr-FR" smtClean="0"/>
+              <a:rPr lang="fr-FR"/>
               <a:t>Quatrième niveau</a:t>
             </a:r>
           </a:p>
           <a:p>
             <a:pPr lvl="4"/>
             <a:r>
-              <a:rPr lang="fr-FR" smtClean="0"/>
+              <a:rPr lang="fr-FR"/>
               <a:t>Cinquième niveau</a:t>
             </a:r>
             <a:endParaRPr lang="fr-BE"/>
@@ -1627,7 +1643,7 @@
           <a:p>
             <a:pPr lvl="0"/>
             <a:r>
-              <a:rPr lang="fr-FR" smtClean="0"/>
+              <a:rPr lang="fr-FR"/>
               <a:t>Cliquez pour modifier les styles du texte du masque</a:t>
             </a:r>
           </a:p>
@@ -1683,35 +1699,35 @@
           <a:p>
             <a:pPr lvl="0"/>
             <a:r>
-              <a:rPr lang="fr-FR" smtClean="0"/>
+              <a:rPr lang="fr-FR"/>
               <a:t>Cliquez pour modifier les styles du texte du masque</a:t>
             </a:r>
           </a:p>
           <a:p>
             <a:pPr lvl="1"/>
             <a:r>
-              <a:rPr lang="fr-FR" smtClean="0"/>
+              <a:rPr lang="fr-FR"/>
               <a:t>Deuxième niveau</a:t>
             </a:r>
           </a:p>
           <a:p>
             <a:pPr lvl="2"/>
             <a:r>
-              <a:rPr lang="fr-FR" smtClean="0"/>
+              <a:rPr lang="fr-FR"/>
               <a:t>Troisième niveau</a:t>
             </a:r>
           </a:p>
           <a:p>
             <a:pPr lvl="3"/>
             <a:r>
-              <a:rPr lang="fr-FR" smtClean="0"/>
+              <a:rPr lang="fr-FR"/>
               <a:t>Quatrième niveau</a:t>
             </a:r>
           </a:p>
           <a:p>
             <a:pPr lvl="4"/>
             <a:r>
-              <a:rPr lang="fr-FR" smtClean="0"/>
+              <a:rPr lang="fr-FR"/>
               <a:t>Cinquième niveau</a:t>
             </a:r>
             <a:endParaRPr lang="fr-BE"/>
@@ -1735,7 +1751,7 @@
           <a:p>
             <a:fld id="{AA309A6D-C09C-4548-B29A-6CF363A7E532}" type="datetimeFigureOut">
               <a:rPr lang="fr-FR" smtClean="0"/>
-              <a:t>12/12/2017</a:t>
+              <a:t>06/12/2019</a:t>
             </a:fld>
             <a:endParaRPr lang="fr-BE"/>
           </a:p>
@@ -1824,7 +1840,7 @@
           <a:lstStyle/>
           <a:p>
             <a:r>
-              <a:rPr lang="fr-FR" smtClean="0"/>
+              <a:rPr lang="fr-FR"/>
               <a:t>Cliquez pour modifier le style du titre</a:t>
             </a:r>
             <a:endParaRPr lang="fr-BE"/>
@@ -1848,7 +1864,7 @@
           <a:p>
             <a:fld id="{AA309A6D-C09C-4548-B29A-6CF363A7E532}" type="datetimeFigureOut">
               <a:rPr lang="fr-FR" smtClean="0"/>
-              <a:t>12/12/2017</a:t>
+              <a:t>06/12/2019</a:t>
             </a:fld>
             <a:endParaRPr lang="fr-BE"/>
           </a:p>
@@ -1938,7 +1954,7 @@
           <a:p>
             <a:fld id="{AA309A6D-C09C-4548-B29A-6CF363A7E532}" type="datetimeFigureOut">
               <a:rPr lang="fr-FR" smtClean="0"/>
-              <a:t>12/12/2017</a:t>
+              <a:t>06/12/2019</a:t>
             </a:fld>
             <a:endParaRPr lang="fr-BE"/>
           </a:p>
@@ -2036,7 +2052,7 @@
           </a:lstStyle>
           <a:p>
             <a:r>
-              <a:rPr lang="fr-FR" smtClean="0"/>
+              <a:rPr lang="fr-FR"/>
               <a:t>Cliquez pour modifier le style du titre</a:t>
             </a:r>
             <a:endParaRPr lang="fr-BE"/>
@@ -2093,35 +2109,35 @@
           <a:p>
             <a:pPr lvl="0"/>
             <a:r>
-              <a:rPr lang="fr-FR" smtClean="0"/>
+              <a:rPr lang="fr-FR"/>
               <a:t>Cliquez pour modifier les styles du texte du masque</a:t>
             </a:r>
           </a:p>
           <a:p>
             <a:pPr lvl="1"/>
             <a:r>
-              <a:rPr lang="fr-FR" smtClean="0"/>
+              <a:rPr lang="fr-FR"/>
               <a:t>Deuxième niveau</a:t>
             </a:r>
           </a:p>
           <a:p>
             <a:pPr lvl="2"/>
             <a:r>
-              <a:rPr lang="fr-FR" smtClean="0"/>
+              <a:rPr lang="fr-FR"/>
               <a:t>Troisième niveau</a:t>
             </a:r>
           </a:p>
           <a:p>
             <a:pPr lvl="3"/>
             <a:r>
-              <a:rPr lang="fr-FR" smtClean="0"/>
+              <a:rPr lang="fr-FR"/>
               <a:t>Quatrième niveau</a:t>
             </a:r>
           </a:p>
           <a:p>
             <a:pPr lvl="4"/>
             <a:r>
-              <a:rPr lang="fr-FR" smtClean="0"/>
+              <a:rPr lang="fr-FR"/>
               <a:t>Cinquième niveau</a:t>
             </a:r>
             <a:endParaRPr lang="fr-BE"/>
@@ -2187,7 +2203,7 @@
           <a:p>
             <a:pPr lvl="0"/>
             <a:r>
-              <a:rPr lang="fr-FR" smtClean="0"/>
+              <a:rPr lang="fr-FR"/>
               <a:t>Cliquez pour modifier les styles du texte du masque</a:t>
             </a:r>
           </a:p>
@@ -2210,7 +2226,7 @@
           <a:p>
             <a:fld id="{AA309A6D-C09C-4548-B29A-6CF363A7E532}" type="datetimeFigureOut">
               <a:rPr lang="fr-FR" smtClean="0"/>
-              <a:t>12/12/2017</a:t>
+              <a:t>06/12/2019</a:t>
             </a:fld>
             <a:endParaRPr lang="fr-BE"/>
           </a:p>
@@ -2308,7 +2324,7 @@
           </a:lstStyle>
           <a:p>
             <a:r>
-              <a:rPr lang="fr-FR" smtClean="0"/>
+              <a:rPr lang="fr-FR"/>
               <a:t>Cliquez pour modifier le style du titre</a:t>
             </a:r>
             <a:endParaRPr lang="fr-BE"/>
@@ -2435,7 +2451,7 @@
           <a:p>
             <a:pPr lvl="0"/>
             <a:r>
-              <a:rPr lang="fr-FR" smtClean="0"/>
+              <a:rPr lang="fr-FR"/>
               <a:t>Cliquez pour modifier les styles du texte du masque</a:t>
             </a:r>
           </a:p>
@@ -2458,7 +2474,7 @@
           <a:p>
             <a:fld id="{AA309A6D-C09C-4548-B29A-6CF363A7E532}" type="datetimeFigureOut">
               <a:rPr lang="fr-FR" smtClean="0"/>
-              <a:t>12/12/2017</a:t>
+              <a:t>06/12/2019</a:t>
             </a:fld>
             <a:endParaRPr lang="fr-BE"/>
           </a:p>
@@ -2562,7 +2578,7 @@
           <a:lstStyle/>
           <a:p>
             <a:r>
-              <a:rPr lang="fr-FR" smtClean="0"/>
+              <a:rPr lang="fr-FR"/>
               <a:t>Cliquez pour modifier le style du titre</a:t>
             </a:r>
             <a:endParaRPr lang="fr-BE"/>
@@ -2596,35 +2612,35 @@
           <a:p>
             <a:pPr lvl="0"/>
             <a:r>
-              <a:rPr lang="fr-FR" smtClean="0"/>
+              <a:rPr lang="fr-FR"/>
               <a:t>Cliquez pour modifier les styles du texte du masque</a:t>
             </a:r>
           </a:p>
           <a:p>
             <a:pPr lvl="1"/>
             <a:r>
-              <a:rPr lang="fr-FR" smtClean="0"/>
+              <a:rPr lang="fr-FR"/>
               <a:t>Deuxième niveau</a:t>
             </a:r>
           </a:p>
           <a:p>
             <a:pPr lvl="2"/>
             <a:r>
-              <a:rPr lang="fr-FR" smtClean="0"/>
+              <a:rPr lang="fr-FR"/>
               <a:t>Troisième niveau</a:t>
             </a:r>
           </a:p>
           <a:p>
             <a:pPr lvl="3"/>
             <a:r>
-              <a:rPr lang="fr-FR" smtClean="0"/>
+              <a:rPr lang="fr-FR"/>
               <a:t>Quatrième niveau</a:t>
             </a:r>
           </a:p>
           <a:p>
             <a:pPr lvl="4"/>
             <a:r>
-              <a:rPr lang="fr-FR" smtClean="0"/>
+              <a:rPr lang="fr-FR"/>
               <a:t>Cinquième niveau</a:t>
             </a:r>
             <a:endParaRPr lang="fr-BE"/>
@@ -2666,7 +2682,7 @@
           <a:p>
             <a:fld id="{AA309A6D-C09C-4548-B29A-6CF363A7E532}" type="datetimeFigureOut">
               <a:rPr lang="fr-FR" smtClean="0"/>
-              <a:t>12/12/2017</a:t>
+              <a:t>06/12/2019</a:t>
             </a:fld>
             <a:endParaRPr lang="fr-BE"/>
           </a:p>
@@ -3134,7 +3150,7 @@
           <a:p>
             <a:pPr algn="ctr"/>
             <a:r>
-              <a:rPr lang="fr-FR" sz="1050" b="1" dirty="0" smtClean="0">
+              <a:rPr lang="fr-FR" sz="1050" b="1" dirty="0">
                 <a:latin typeface="Tw Cen MT" pitchFamily="34" charset="0"/>
               </a:rPr>
               <a:t>Cycle 4 - </a:t>
@@ -3143,13 +3159,7 @@
               <a:rPr lang="fr-FR" sz="1050" b="1" cap="small" dirty="0">
                 <a:latin typeface="Tw Cen MT" pitchFamily="34" charset="0"/>
               </a:rPr>
-              <a:t>Modéliser le comportement des systèmes mécaniques dans le but d'établir une loi de comportement ou de déterminer des actions mécaniques en utilisant le </a:t>
-            </a:r>
-            <a:r>
-              <a:rPr lang="fr-FR" sz="1050" b="1" cap="small" dirty="0" smtClean="0">
-                <a:latin typeface="Tw Cen MT" pitchFamily="34" charset="0"/>
-              </a:rPr>
-              <a:t>PFD</a:t>
+              <a:t>Modéliser le comportement des systèmes mécaniques dans le but d'établir une loi de comportement ou de déterminer des actions mécaniques en utilisant le PFD</a:t>
             </a:r>
             <a:endParaRPr lang="fr-FR" sz="1050" b="1" dirty="0">
               <a:latin typeface="Tw Cen MT" pitchFamily="34" charset="0"/>
@@ -3181,10 +3191,9 @@
           <a:p>
             <a:pPr algn="ctr"/>
             <a:r>
-              <a:rPr lang="fr-FR" sz="1400" b="1" dirty="0" smtClean="0"/>
+              <a:rPr lang="fr-FR" sz="1400" b="1" dirty="0"/>
               <a:t>Expérimentation</a:t>
             </a:r>
-            <a:endParaRPr lang="fr-FR" sz="1400" b="1" dirty="0"/>
           </a:p>
         </p:txBody>
       </p:sp>
@@ -3261,10 +3270,9 @@
           <a:p>
             <a:pPr algn="ctr"/>
             <a:r>
-              <a:rPr lang="fr-FR" sz="1000" i="1" dirty="0" smtClean="0"/>
+              <a:rPr lang="fr-FR" sz="1000" i="1" dirty="0"/>
               <a:t>Modélisation associée à l’expérimentation</a:t>
             </a:r>
-            <a:endParaRPr lang="fr-FR" sz="1000" i="1" dirty="0"/>
           </a:p>
         </p:txBody>
       </p:sp>
@@ -3417,10 +3425,9 @@
           <a:p>
             <a:pPr algn="ctr"/>
             <a:r>
-              <a:rPr lang="fr-FR" sz="1000" i="1" dirty="0" smtClean="0"/>
+              <a:rPr lang="fr-FR" sz="1000" i="1" dirty="0"/>
               <a:t>Résultat de l’expérimentation</a:t>
             </a:r>
-            <a:endParaRPr lang="fr-FR" sz="1000" i="1" dirty="0"/>
           </a:p>
         </p:txBody>
       </p:sp>
@@ -3448,14 +3455,13 @@
           <a:p>
             <a:pPr algn="ctr"/>
             <a:r>
-              <a:rPr lang="fr-FR" sz="1000" i="1" dirty="0" err="1" smtClean="0"/>
+              <a:rPr lang="fr-FR" sz="1000" i="1" dirty="0" err="1"/>
               <a:t>Tp</a:t>
             </a:r>
             <a:r>
-              <a:rPr lang="fr-FR" sz="1000" i="1" dirty="0" smtClean="0"/>
+              <a:rPr lang="fr-FR" sz="1000" i="1" dirty="0"/>
               <a:t> =	k = 	J = </a:t>
             </a:r>
-            <a:endParaRPr lang="fr-FR" sz="1000" i="1" dirty="0"/>
           </a:p>
         </p:txBody>
       </p:sp>
@@ -3482,10 +3488,9 @@
           <a:lstStyle/>
           <a:p>
             <a:r>
-              <a:rPr lang="fr-FR" sz="1000" i="1" dirty="0" smtClean="0"/>
+              <a:rPr lang="fr-FR" sz="1000" i="1" dirty="0"/>
               <a:t>Équation de la dynamique</a:t>
             </a:r>
-            <a:endParaRPr lang="fr-FR" sz="1000" i="1" dirty="0"/>
           </a:p>
         </p:txBody>
       </p:sp>
@@ -3573,18 +3578,17 @@
             <a:lstStyle/>
             <a:p>
               <a:r>
-                <a:rPr lang="fr-FR" i="1" dirty="0" err="1" smtClean="0"/>
+                <a:rPr lang="fr-FR" i="1" dirty="0" err="1"/>
                 <a:t>J</a:t>
               </a:r>
               <a:r>
-                <a:rPr lang="fr-FR" i="1" baseline="-25000" dirty="0" err="1" smtClean="0"/>
+                <a:rPr lang="fr-FR" i="1" baseline="-25000" dirty="0" err="1"/>
                 <a:t>exp</a:t>
               </a:r>
               <a:r>
-                <a:rPr lang="fr-FR" i="1" dirty="0" smtClean="0"/>
+                <a:rPr lang="fr-FR" i="1" dirty="0"/>
                 <a:t> = </a:t>
               </a:r>
-              <a:endParaRPr lang="fr-FR" i="1" dirty="0"/>
             </a:p>
           </p:txBody>
         </p:sp>
@@ -3613,10 +3617,9 @@
           <a:p>
             <a:pPr algn="ctr"/>
             <a:r>
-              <a:rPr lang="fr-FR" sz="1400" b="1" dirty="0" smtClean="0"/>
+              <a:rPr lang="fr-FR" sz="1400" b="1" dirty="0"/>
               <a:t>Modélisation acausale</a:t>
             </a:r>
-            <a:endParaRPr lang="fr-FR" sz="1400" b="1" dirty="0"/>
           </a:p>
         </p:txBody>
       </p:sp>
@@ -3739,18 +3742,17 @@
           <a:lstStyle/>
           <a:p>
             <a:r>
-              <a:rPr lang="fr-FR" i="1" dirty="0" err="1" smtClean="0"/>
+              <a:rPr lang="fr-FR" i="1" dirty="0" err="1"/>
               <a:t>J</a:t>
             </a:r>
             <a:r>
-              <a:rPr lang="fr-FR" i="1" baseline="-25000" dirty="0" err="1" smtClean="0"/>
+              <a:rPr lang="fr-FR" i="1" baseline="-25000" dirty="0" err="1"/>
               <a:t>sim</a:t>
             </a:r>
             <a:r>
-              <a:rPr lang="fr-FR" i="1" dirty="0" smtClean="0"/>
+              <a:rPr lang="fr-FR" i="1" dirty="0"/>
               <a:t> = </a:t>
             </a:r>
-            <a:endParaRPr lang="fr-FR" i="1" dirty="0"/>
           </a:p>
         </p:txBody>
       </p:sp>
@@ -3967,10 +3969,9 @@
           <a:p>
             <a:pPr algn="ctr"/>
             <a:r>
-              <a:rPr lang="fr-FR" sz="1000" i="1" dirty="0" smtClean="0"/>
+              <a:rPr lang="fr-FR" sz="1000" i="1" dirty="0"/>
               <a:t>Résultat de la modélisation</a:t>
             </a:r>
-            <a:endParaRPr lang="fr-FR" sz="1000" i="1" dirty="0"/>
           </a:p>
         </p:txBody>
       </p:sp>
@@ -3998,10 +3999,9 @@
           <a:p>
             <a:pPr algn="ctr"/>
             <a:r>
-              <a:rPr lang="fr-FR" sz="1000" i="1" dirty="0" smtClean="0"/>
+              <a:rPr lang="fr-FR" sz="1000" i="1" dirty="0"/>
               <a:t>Méthode pour identifier J</a:t>
             </a:r>
-            <a:endParaRPr lang="fr-FR" sz="1000" i="1" dirty="0"/>
           </a:p>
         </p:txBody>
       </p:sp>
@@ -4029,10 +4029,9 @@
           <a:p>
             <a:pPr algn="ctr"/>
             <a:r>
-              <a:rPr lang="fr-FR" sz="1400" b="1" dirty="0" smtClean="0"/>
+              <a:rPr lang="fr-FR" sz="1400" b="1" dirty="0"/>
               <a:t>Modélisation SW</a:t>
             </a:r>
-            <a:endParaRPr lang="fr-FR" sz="1400" b="1" dirty="0"/>
           </a:p>
         </p:txBody>
       </p:sp>
@@ -4108,18 +4107,17 @@
           <a:lstStyle/>
           <a:p>
             <a:r>
-              <a:rPr lang="fr-FR" sz="2000" i="1" dirty="0" err="1" smtClean="0"/>
+              <a:rPr lang="fr-FR" sz="2000" i="1" dirty="0" err="1"/>
               <a:t>J</a:t>
             </a:r>
             <a:r>
-              <a:rPr lang="fr-FR" sz="2000" i="1" baseline="-25000" dirty="0" err="1" smtClean="0"/>
+              <a:rPr lang="fr-FR" sz="2000" i="1" baseline="-25000" dirty="0" err="1"/>
               <a:t>Huygens</a:t>
             </a:r>
             <a:r>
-              <a:rPr lang="fr-FR" sz="2000" i="1" dirty="0" smtClean="0"/>
+              <a:rPr lang="fr-FR" sz="2000" i="1" dirty="0"/>
               <a:t> = </a:t>
             </a:r>
-            <a:endParaRPr lang="fr-FR" sz="2000" i="1" dirty="0"/>
           </a:p>
         </p:txBody>
       </p:sp>
@@ -4146,18 +4144,17 @@
           <a:lstStyle/>
           <a:p>
             <a:r>
-              <a:rPr lang="fr-FR" sz="2000" i="1" dirty="0" err="1" smtClean="0"/>
+              <a:rPr lang="fr-FR" sz="2000" i="1" dirty="0" err="1"/>
               <a:t>J</a:t>
             </a:r>
             <a:r>
-              <a:rPr lang="fr-FR" sz="2000" i="1" baseline="-25000" dirty="0" err="1" smtClean="0"/>
+              <a:rPr lang="fr-FR" sz="2000" i="1" baseline="-25000" dirty="0" err="1"/>
               <a:t>SolidWorks</a:t>
             </a:r>
             <a:r>
-              <a:rPr lang="fr-FR" sz="2000" i="1" dirty="0" smtClean="0"/>
+              <a:rPr lang="fr-FR" sz="2000" i="1" dirty="0"/>
               <a:t> = </a:t>
             </a:r>
-            <a:endParaRPr lang="fr-FR" sz="2000" i="1" dirty="0"/>
           </a:p>
         </p:txBody>
       </p:sp>
@@ -4234,10 +4231,9 @@
           <a:p>
             <a:pPr algn="ctr"/>
             <a:r>
-              <a:rPr lang="fr-FR" sz="1000" i="1" dirty="0" smtClean="0"/>
+              <a:rPr lang="fr-FR" sz="1000" i="1" dirty="0"/>
               <a:t>Origines des écarts entre les deux inerties calculées</a:t>
             </a:r>
-            <a:endParaRPr lang="fr-FR" sz="1000" i="1" dirty="0"/>
           </a:p>
         </p:txBody>
       </p:sp>
@@ -4264,10 +4260,9 @@
           <a:lstStyle/>
           <a:p>
             <a:r>
-              <a:rPr lang="fr-FR" sz="1000" i="1" dirty="0" smtClean="0"/>
+              <a:rPr lang="fr-FR" sz="1000" i="1" dirty="0"/>
               <a:t>Inertie retenue :</a:t>
             </a:r>
-            <a:endParaRPr lang="fr-FR" sz="1000" i="1" dirty="0"/>
           </a:p>
         </p:txBody>
       </p:sp>
@@ -4355,18 +4350,17 @@
             <a:lstStyle/>
             <a:p>
               <a:r>
-                <a:rPr lang="fr-FR" i="1" dirty="0" smtClean="0"/>
+                <a:rPr lang="fr-FR" i="1" dirty="0"/>
                 <a:t>J</a:t>
               </a:r>
               <a:r>
-                <a:rPr lang="fr-FR" i="1" baseline="-25000" dirty="0" smtClean="0"/>
+                <a:rPr lang="fr-FR" i="1" baseline="-25000" dirty="0"/>
                 <a:t>SW</a:t>
               </a:r>
               <a:r>
-                <a:rPr lang="fr-FR" i="1" dirty="0" smtClean="0"/>
+                <a:rPr lang="fr-FR" i="1" dirty="0"/>
                 <a:t> = </a:t>
               </a:r>
-              <a:endParaRPr lang="fr-FR" i="1" dirty="0"/>
             </a:p>
           </p:txBody>
         </p:sp>
@@ -4442,35 +4436,27 @@
           <a:p>
             <a:pPr algn="ctr"/>
             <a:r>
-              <a:rPr lang="fr-FR" sz="1000" i="1" dirty="0" smtClean="0"/>
-              <a:t>Écarts</a:t>
-            </a:r>
-            <a:r>
               <a:rPr lang="fr-FR" sz="1000" i="1" dirty="0"/>
-              <a:t> </a:t>
-            </a:r>
-            <a:r>
-              <a:rPr lang="fr-FR" sz="1000" i="1" dirty="0" err="1" smtClean="0"/>
+              <a:t>Écarts </a:t>
+            </a:r>
+            <a:r>
+              <a:rPr lang="fr-FR" sz="1000" i="1" dirty="0" err="1"/>
               <a:t>J</a:t>
             </a:r>
             <a:r>
-              <a:rPr lang="fr-FR" sz="1000" i="1" baseline="-25000" dirty="0" err="1" smtClean="0"/>
+              <a:rPr lang="fr-FR" sz="1000" i="1" baseline="-25000" dirty="0" err="1"/>
               <a:t>exp</a:t>
             </a:r>
             <a:r>
               <a:rPr lang="fr-FR" sz="1000" i="1" dirty="0"/>
-              <a:t> </a:t>
-            </a:r>
-            <a:r>
-              <a:rPr lang="fr-FR" sz="1000" i="1" dirty="0" smtClean="0"/>
-              <a:t>– </a:t>
-            </a:r>
-            <a:r>
-              <a:rPr lang="fr-FR" sz="1000" i="1" dirty="0" err="1" smtClean="0"/>
+              <a:t> – </a:t>
+            </a:r>
+            <a:r>
+              <a:rPr lang="fr-FR" sz="1000" i="1" dirty="0" err="1"/>
               <a:t>J</a:t>
             </a:r>
             <a:r>
-              <a:rPr lang="fr-FR" sz="1000" i="1" baseline="-25000" dirty="0" err="1" smtClean="0"/>
+              <a:rPr lang="fr-FR" sz="1000" i="1" baseline="-25000" dirty="0" err="1"/>
               <a:t>sim</a:t>
             </a:r>
             <a:endParaRPr lang="fr-FR" sz="1000" i="1" baseline="-25000" dirty="0"/>
@@ -4501,34 +4487,25 @@
           <a:p>
             <a:pPr algn="ctr"/>
             <a:r>
-              <a:rPr lang="fr-FR" sz="1000" i="1" dirty="0" smtClean="0"/>
-              <a:t>Écarts</a:t>
-            </a:r>
-            <a:r>
               <a:rPr lang="fr-FR" sz="1000" i="1" dirty="0"/>
-              <a:t> </a:t>
-            </a:r>
-            <a:r>
-              <a:rPr lang="fr-FR" sz="1000" i="1" dirty="0" err="1" smtClean="0"/>
+              <a:t>Écarts </a:t>
+            </a:r>
+            <a:r>
+              <a:rPr lang="fr-FR" sz="1000" i="1" dirty="0" err="1"/>
               <a:t>J</a:t>
             </a:r>
             <a:r>
-              <a:rPr lang="fr-FR" sz="1000" i="1" baseline="-25000" dirty="0" err="1" smtClean="0"/>
+              <a:rPr lang="fr-FR" sz="1000" i="1" baseline="-25000" dirty="0" err="1"/>
               <a:t>exp</a:t>
             </a:r>
             <a:r>
               <a:rPr lang="fr-FR" sz="1000" i="1" dirty="0"/>
-              <a:t> </a:t>
-            </a:r>
-            <a:r>
-              <a:rPr lang="fr-FR" sz="1000" i="1" dirty="0" smtClean="0"/>
-              <a:t>– J</a:t>
-            </a:r>
-            <a:r>
-              <a:rPr lang="fr-FR" sz="1000" i="1" baseline="-25000" dirty="0" smtClean="0"/>
+              <a:t> – J</a:t>
+            </a:r>
+            <a:r>
+              <a:rPr lang="fr-FR" sz="1000" i="1" baseline="-25000" dirty="0"/>
               <a:t>SW</a:t>
             </a:r>
-            <a:endParaRPr lang="fr-FR" sz="1000" i="1" baseline="-25000" dirty="0"/>
           </a:p>
         </p:txBody>
       </p:sp>
@@ -4556,31 +4533,23 @@
           <a:p>
             <a:pPr algn="ctr"/>
             <a:r>
-              <a:rPr lang="fr-FR" sz="1000" i="1" dirty="0" smtClean="0"/>
-              <a:t>Écarts</a:t>
-            </a:r>
-            <a:r>
               <a:rPr lang="fr-FR" sz="1000" i="1" dirty="0"/>
-              <a:t> </a:t>
-            </a:r>
-            <a:r>
-              <a:rPr lang="fr-FR" sz="1000" i="1" dirty="0" smtClean="0"/>
+              <a:t>Écarts J</a:t>
+            </a:r>
+            <a:r>
+              <a:rPr lang="fr-FR" sz="1000" i="1" baseline="-25000" dirty="0"/>
+              <a:t>SW</a:t>
+            </a:r>
+            <a:r>
+              <a:rPr lang="fr-FR" sz="1000" i="1" dirty="0"/>
+              <a:t> – </a:t>
+            </a:r>
+            <a:r>
+              <a:rPr lang="fr-FR" sz="1000" i="1" dirty="0" err="1"/>
               <a:t>J</a:t>
             </a:r>
             <a:r>
-              <a:rPr lang="fr-FR" sz="1000" i="1" baseline="-25000" dirty="0" smtClean="0"/>
-              <a:t>SW</a:t>
-            </a:r>
-            <a:r>
-              <a:rPr lang="fr-FR" sz="1000" i="1" dirty="0" smtClean="0"/>
-              <a:t> – </a:t>
-            </a:r>
-            <a:r>
-              <a:rPr lang="fr-FR" sz="1000" i="1" dirty="0" err="1" smtClean="0"/>
-              <a:t>J</a:t>
-            </a:r>
-            <a:r>
-              <a:rPr lang="fr-FR" sz="1000" i="1" baseline="-25000" dirty="0" err="1" smtClean="0"/>
+              <a:rPr lang="fr-FR" sz="1000" i="1" baseline="-25000" dirty="0" err="1"/>
               <a:t>sim</a:t>
             </a:r>
             <a:endParaRPr lang="fr-FR" sz="1000" i="1" baseline="-25000" dirty="0"/>
@@ -4611,7 +4580,7 @@
           <a:p>
             <a:pPr algn="ctr"/>
             <a:r>
-              <a:rPr lang="fr-FR" sz="1000" i="1" dirty="0" smtClean="0"/>
+              <a:rPr lang="fr-FR" sz="1000" i="1" dirty="0"/>
               <a:t>Bilan</a:t>
             </a:r>
             <a:endParaRPr lang="fr-FR" sz="1000" i="1" baseline="-25000" dirty="0"/>
@@ -4628,13 +4597,6 @@
   <p:clrMapOvr>
     <a:masterClrMapping/>
   </p:clrMapOvr>
-  <p:timing>
-    <p:tnLst>
-      <p:par>
-        <p:cTn id="1" dur="indefinite" restart="never" nodeType="tmRoot"/>
-      </p:par>
-    </p:tnLst>
-  </p:timing>
 </p:sld>
 </file>
 
@@ -4753,7 +4715,7 @@
           <a:p>
             <a:pPr algn="ctr"/>
             <a:r>
-              <a:rPr lang="fr-FR" sz="1050" b="1" dirty="0" smtClean="0">
+              <a:rPr lang="fr-FR" sz="1050" b="1" dirty="0">
                 <a:latin typeface="Tw Cen MT" pitchFamily="34" charset="0"/>
               </a:rPr>
               <a:t>Cycle 4 - </a:t>
@@ -4762,13 +4724,7 @@
               <a:rPr lang="fr-FR" sz="1050" b="1" cap="small" dirty="0">
                 <a:latin typeface="Tw Cen MT" pitchFamily="34" charset="0"/>
               </a:rPr>
-              <a:t>Modéliser le comportement des systèmes mécaniques dans le but d'établir une loi de comportement ou de déterminer des actions mécaniques en utilisant le </a:t>
-            </a:r>
-            <a:r>
-              <a:rPr lang="fr-FR" sz="1050" b="1" cap="small" dirty="0" smtClean="0">
-                <a:latin typeface="Tw Cen MT" pitchFamily="34" charset="0"/>
-              </a:rPr>
-              <a:t>PFD</a:t>
+              <a:t>Modéliser le comportement des systèmes mécaniques dans le but d'établir une loi de comportement ou de déterminer des actions mécaniques en utilisant le PFD</a:t>
             </a:r>
             <a:endParaRPr lang="fr-FR" sz="1050" b="1" dirty="0">
               <a:latin typeface="Tw Cen MT" pitchFamily="34" charset="0"/>
@@ -4800,10 +4756,9 @@
           <a:p>
             <a:pPr algn="ctr"/>
             <a:r>
-              <a:rPr lang="fr-FR" sz="1400" b="1" dirty="0" smtClean="0"/>
+              <a:rPr lang="fr-FR" sz="1400" b="1" dirty="0"/>
               <a:t>Expérimentation</a:t>
             </a:r>
-            <a:endParaRPr lang="fr-FR" sz="1400" b="1" dirty="0"/>
           </a:p>
         </p:txBody>
       </p:sp>
@@ -4880,10 +4835,9 @@
           <a:p>
             <a:pPr algn="ctr"/>
             <a:r>
-              <a:rPr lang="fr-FR" sz="1000" i="1" dirty="0" smtClean="0"/>
+              <a:rPr lang="fr-FR" sz="1000" i="1" dirty="0"/>
               <a:t>Modélisation associée à l’expérimentation</a:t>
             </a:r>
-            <a:endParaRPr lang="fr-FR" sz="1000" i="1" dirty="0"/>
           </a:p>
         </p:txBody>
       </p:sp>
@@ -5036,10 +4990,9 @@
           <a:p>
             <a:pPr algn="ctr"/>
             <a:r>
-              <a:rPr lang="fr-FR" sz="1000" i="1" dirty="0" smtClean="0"/>
+              <a:rPr lang="fr-FR" sz="1000" i="1" dirty="0"/>
               <a:t>Résultat de l’expérimentation</a:t>
             </a:r>
-            <a:endParaRPr lang="fr-FR" sz="1000" i="1" dirty="0"/>
           </a:p>
         </p:txBody>
       </p:sp>
@@ -5067,37 +5020,41 @@
           <a:p>
             <a:pPr algn="ctr"/>
             <a:r>
-              <a:rPr lang="fr-FR" sz="900" i="1" dirty="0" err="1" smtClean="0"/>
+              <a:rPr lang="fr-FR" sz="900" i="1" dirty="0" err="1"/>
               <a:t>Tp</a:t>
             </a:r>
             <a:r>
-              <a:rPr lang="fr-FR" sz="900" i="1" dirty="0" smtClean="0"/>
+              <a:rPr lang="fr-FR" sz="900" i="1" dirty="0"/>
               <a:t> = 0,2 (2s pour 10 oscillations) k = 0,43.10</a:t>
             </a:r>
             <a:r>
-              <a:rPr lang="fr-FR" sz="900" i="1" baseline="30000" dirty="0" smtClean="0"/>
+              <a:rPr lang="fr-FR" sz="900" i="1" baseline="30000" dirty="0"/>
               <a:t>3</a:t>
             </a:r>
             <a:r>
-              <a:rPr lang="fr-FR" sz="900" i="1" dirty="0" smtClean="0"/>
-              <a:t>N/m </a:t>
-            </a:r>
+              <a:rPr lang="fr-FR" sz="900" i="1" dirty="0"/>
+              <a:t>N</a:t>
+            </a:r>
+            <a:r>
+              <a:rPr lang="fr-FR" sz="900" i="1"/>
+              <a:t>/m</a:t>
+            </a:r>
+            <a:endParaRPr lang="fr-FR" sz="900" i="1" dirty="0"/>
           </a:p>
           <a:p>
             <a:pPr algn="ctr"/>
             <a:r>
-              <a:rPr lang="fr-FR" sz="900" i="1" dirty="0" smtClean="0"/>
+              <a:rPr lang="fr-FR" sz="900" i="1" dirty="0"/>
               <a:t>J = 9,4 10</a:t>
             </a:r>
             <a:r>
-              <a:rPr lang="fr-FR" sz="900" i="1" baseline="30000" dirty="0" smtClean="0"/>
+              <a:rPr lang="fr-FR" sz="900" i="1" baseline="30000" dirty="0"/>
               <a:t>-3</a:t>
             </a:r>
             <a:r>
-              <a:rPr lang="fr-FR" sz="900" i="1" dirty="0" smtClean="0"/>
+              <a:rPr lang="fr-FR" sz="900" i="1" dirty="0"/>
               <a:t> kg.m²</a:t>
             </a:r>
-            <a:endParaRPr lang="fr-FR" sz="900" i="1" dirty="0"/>
           </a:p>
         </p:txBody>
       </p:sp>
@@ -5185,20 +5142,16 @@
             <a:lstStyle/>
             <a:p>
               <a:r>
-                <a:rPr lang="fr-FR" sz="1400" i="1" dirty="0" err="1" smtClean="0"/>
+                <a:rPr lang="fr-FR" sz="1400" i="1" dirty="0" err="1"/>
                 <a:t>J</a:t>
               </a:r>
               <a:r>
-                <a:rPr lang="fr-FR" sz="1400" i="1" baseline="-25000" dirty="0" err="1" smtClean="0"/>
+                <a:rPr lang="fr-FR" sz="1400" i="1" baseline="-25000" dirty="0" err="1"/>
                 <a:t>exp</a:t>
               </a:r>
               <a:r>
-                <a:rPr lang="fr-FR" sz="1400" i="1" dirty="0" smtClean="0"/>
-                <a:t> </a:t>
-              </a:r>
-              <a:r>
                 <a:rPr lang="fr-FR" sz="1400" i="1" dirty="0"/>
-                <a:t>= 9,4 10</a:t>
+                <a:t> = 9,4 10</a:t>
               </a:r>
               <a:r>
                 <a:rPr lang="fr-FR" sz="1400" i="1" baseline="30000" dirty="0"/>
@@ -5236,10 +5189,9 @@
           <a:p>
             <a:pPr algn="ctr"/>
             <a:r>
-              <a:rPr lang="fr-FR" sz="1400" b="1" dirty="0" smtClean="0"/>
+              <a:rPr lang="fr-FR" sz="1400" b="1" dirty="0"/>
               <a:t>Modélisation acausale</a:t>
             </a:r>
-            <a:endParaRPr lang="fr-FR" sz="1400" b="1" dirty="0"/>
           </a:p>
         </p:txBody>
       </p:sp>
@@ -5313,18 +5265,17 @@
           <a:lstStyle/>
           <a:p>
             <a:r>
-              <a:rPr lang="fr-FR" i="1" dirty="0" err="1" smtClean="0"/>
+              <a:rPr lang="fr-FR" i="1" dirty="0" err="1"/>
               <a:t>J</a:t>
             </a:r>
             <a:r>
-              <a:rPr lang="fr-FR" i="1" baseline="-25000" dirty="0" err="1" smtClean="0"/>
+              <a:rPr lang="fr-FR" i="1" baseline="-25000" dirty="0" err="1"/>
               <a:t>sim</a:t>
             </a:r>
             <a:r>
-              <a:rPr lang="fr-FR" i="1" dirty="0" smtClean="0"/>
+              <a:rPr lang="fr-FR" i="1" dirty="0"/>
               <a:t> = </a:t>
             </a:r>
-            <a:endParaRPr lang="fr-FR" i="1" dirty="0"/>
           </a:p>
         </p:txBody>
       </p:sp>
@@ -5541,10 +5492,9 @@
           <a:p>
             <a:pPr algn="ctr"/>
             <a:r>
-              <a:rPr lang="fr-FR" sz="1000" i="1" dirty="0" smtClean="0"/>
+              <a:rPr lang="fr-FR" sz="1000" i="1" dirty="0"/>
               <a:t>Résultat de la modélisation</a:t>
             </a:r>
-            <a:endParaRPr lang="fr-FR" sz="1000" i="1" dirty="0"/>
           </a:p>
         </p:txBody>
       </p:sp>
@@ -5572,10 +5522,9 @@
           <a:p>
             <a:pPr algn="ctr"/>
             <a:r>
-              <a:rPr lang="fr-FR" sz="1000" i="1" dirty="0" smtClean="0"/>
+              <a:rPr lang="fr-FR" sz="1000" i="1" dirty="0"/>
               <a:t>Méthode pour identifier J</a:t>
             </a:r>
-            <a:endParaRPr lang="fr-FR" sz="1000" i="1" dirty="0"/>
           </a:p>
         </p:txBody>
       </p:sp>
@@ -5603,10 +5552,9 @@
           <a:p>
             <a:pPr algn="ctr"/>
             <a:r>
-              <a:rPr lang="fr-FR" sz="1400" b="1" dirty="0" smtClean="0"/>
+              <a:rPr lang="fr-FR" sz="1400" b="1" dirty="0"/>
               <a:t>Modélisation SW</a:t>
             </a:r>
-            <a:endParaRPr lang="fr-FR" sz="1400" b="1" dirty="0"/>
           </a:p>
         </p:txBody>
       </p:sp>
@@ -5682,18 +5630,17 @@
           <a:lstStyle/>
           <a:p>
             <a:r>
-              <a:rPr lang="fr-FR" sz="2000" i="1" dirty="0" err="1" smtClean="0"/>
+              <a:rPr lang="fr-FR" sz="2000" i="1" dirty="0" err="1"/>
               <a:t>J</a:t>
             </a:r>
             <a:r>
-              <a:rPr lang="fr-FR" sz="2000" i="1" baseline="-25000" dirty="0" err="1" smtClean="0"/>
+              <a:rPr lang="fr-FR" sz="2000" i="1" baseline="-25000" dirty="0" err="1"/>
               <a:t>Huygens</a:t>
             </a:r>
             <a:r>
-              <a:rPr lang="fr-FR" sz="2000" i="1" dirty="0" smtClean="0"/>
+              <a:rPr lang="fr-FR" sz="2000" i="1" dirty="0"/>
               <a:t> = </a:t>
             </a:r>
-            <a:endParaRPr lang="fr-FR" sz="2000" i="1" dirty="0"/>
           </a:p>
         </p:txBody>
       </p:sp>
@@ -5720,18 +5667,17 @@
           <a:lstStyle/>
           <a:p>
             <a:r>
-              <a:rPr lang="fr-FR" sz="2000" i="1" dirty="0" err="1" smtClean="0"/>
+              <a:rPr lang="fr-FR" sz="2000" i="1" dirty="0" err="1"/>
               <a:t>J</a:t>
             </a:r>
             <a:r>
-              <a:rPr lang="fr-FR" sz="2000" i="1" baseline="-25000" dirty="0" err="1" smtClean="0"/>
+              <a:rPr lang="fr-FR" sz="2000" i="1" baseline="-25000" dirty="0" err="1"/>
               <a:t>SolidWorks</a:t>
             </a:r>
             <a:r>
-              <a:rPr lang="fr-FR" sz="2000" i="1" dirty="0" smtClean="0"/>
+              <a:rPr lang="fr-FR" sz="2000" i="1" dirty="0"/>
               <a:t> = </a:t>
             </a:r>
-            <a:endParaRPr lang="fr-FR" sz="2000" i="1" dirty="0"/>
           </a:p>
         </p:txBody>
       </p:sp>
@@ -5808,10 +5754,9 @@
           <a:p>
             <a:pPr algn="ctr"/>
             <a:r>
-              <a:rPr lang="fr-FR" sz="1000" i="1" dirty="0" smtClean="0"/>
+              <a:rPr lang="fr-FR" sz="1000" i="1" dirty="0"/>
               <a:t>Origines des écarts entre les deux inerties calculées</a:t>
             </a:r>
-            <a:endParaRPr lang="fr-FR" sz="1000" i="1" dirty="0"/>
           </a:p>
         </p:txBody>
       </p:sp>
@@ -5838,10 +5783,9 @@
           <a:lstStyle/>
           <a:p>
             <a:r>
-              <a:rPr lang="fr-FR" sz="1000" i="1" dirty="0" smtClean="0"/>
+              <a:rPr lang="fr-FR" sz="1000" i="1" dirty="0"/>
               <a:t>Inertie retenue :</a:t>
             </a:r>
-            <a:endParaRPr lang="fr-FR" sz="1000" i="1" dirty="0"/>
           </a:p>
         </p:txBody>
       </p:sp>
@@ -5929,18 +5873,17 @@
             <a:lstStyle/>
             <a:p>
               <a:r>
-                <a:rPr lang="fr-FR" i="1" dirty="0" smtClean="0"/>
+                <a:rPr lang="fr-FR" i="1" dirty="0"/>
                 <a:t>J</a:t>
               </a:r>
               <a:r>
-                <a:rPr lang="fr-FR" i="1" baseline="-25000" dirty="0" smtClean="0"/>
+                <a:rPr lang="fr-FR" i="1" baseline="-25000" dirty="0"/>
                 <a:t>SW</a:t>
               </a:r>
               <a:r>
-                <a:rPr lang="fr-FR" i="1" dirty="0" smtClean="0"/>
+                <a:rPr lang="fr-FR" i="1" dirty="0"/>
                 <a:t> = </a:t>
               </a:r>
-              <a:endParaRPr lang="fr-FR" i="1" dirty="0"/>
             </a:p>
           </p:txBody>
         </p:sp>
@@ -6016,35 +5959,27 @@
           <a:p>
             <a:pPr algn="ctr"/>
             <a:r>
-              <a:rPr lang="fr-FR" sz="1000" i="1" dirty="0" smtClean="0"/>
-              <a:t>Écarts</a:t>
-            </a:r>
-            <a:r>
               <a:rPr lang="fr-FR" sz="1000" i="1" dirty="0"/>
-              <a:t> </a:t>
-            </a:r>
-            <a:r>
-              <a:rPr lang="fr-FR" sz="1000" i="1" dirty="0" err="1" smtClean="0"/>
+              <a:t>Écarts </a:t>
+            </a:r>
+            <a:r>
+              <a:rPr lang="fr-FR" sz="1000" i="1" dirty="0" err="1"/>
               <a:t>J</a:t>
             </a:r>
             <a:r>
-              <a:rPr lang="fr-FR" sz="1000" i="1" baseline="-25000" dirty="0" err="1" smtClean="0"/>
+              <a:rPr lang="fr-FR" sz="1000" i="1" baseline="-25000" dirty="0" err="1"/>
               <a:t>exp</a:t>
             </a:r>
             <a:r>
               <a:rPr lang="fr-FR" sz="1000" i="1" dirty="0"/>
-              <a:t> </a:t>
-            </a:r>
-            <a:r>
-              <a:rPr lang="fr-FR" sz="1000" i="1" dirty="0" smtClean="0"/>
-              <a:t>– </a:t>
-            </a:r>
-            <a:r>
-              <a:rPr lang="fr-FR" sz="1000" i="1" dirty="0" err="1" smtClean="0"/>
+              <a:t> – </a:t>
+            </a:r>
+            <a:r>
+              <a:rPr lang="fr-FR" sz="1000" i="1" dirty="0" err="1"/>
               <a:t>J</a:t>
             </a:r>
             <a:r>
-              <a:rPr lang="fr-FR" sz="1000" i="1" baseline="-25000" dirty="0" err="1" smtClean="0"/>
+              <a:rPr lang="fr-FR" sz="1000" i="1" baseline="-25000" dirty="0" err="1"/>
               <a:t>sim</a:t>
             </a:r>
             <a:endParaRPr lang="fr-FR" sz="1000" i="1" baseline="-25000" dirty="0"/>
@@ -6075,34 +6010,25 @@
           <a:p>
             <a:pPr algn="ctr"/>
             <a:r>
-              <a:rPr lang="fr-FR" sz="1000" i="1" dirty="0" smtClean="0"/>
-              <a:t>Écarts</a:t>
-            </a:r>
-            <a:r>
               <a:rPr lang="fr-FR" sz="1000" i="1" dirty="0"/>
-              <a:t> </a:t>
-            </a:r>
-            <a:r>
-              <a:rPr lang="fr-FR" sz="1000" i="1" dirty="0" err="1" smtClean="0"/>
+              <a:t>Écarts </a:t>
+            </a:r>
+            <a:r>
+              <a:rPr lang="fr-FR" sz="1000" i="1" dirty="0" err="1"/>
               <a:t>J</a:t>
             </a:r>
             <a:r>
-              <a:rPr lang="fr-FR" sz="1000" i="1" baseline="-25000" dirty="0" err="1" smtClean="0"/>
+              <a:rPr lang="fr-FR" sz="1000" i="1" baseline="-25000" dirty="0" err="1"/>
               <a:t>exp</a:t>
             </a:r>
             <a:r>
               <a:rPr lang="fr-FR" sz="1000" i="1" dirty="0"/>
-              <a:t> </a:t>
-            </a:r>
-            <a:r>
-              <a:rPr lang="fr-FR" sz="1000" i="1" dirty="0" smtClean="0"/>
-              <a:t>– J</a:t>
-            </a:r>
-            <a:r>
-              <a:rPr lang="fr-FR" sz="1000" i="1" baseline="-25000" dirty="0" smtClean="0"/>
+              <a:t> – J</a:t>
+            </a:r>
+            <a:r>
+              <a:rPr lang="fr-FR" sz="1000" i="1" baseline="-25000" dirty="0"/>
               <a:t>SW</a:t>
             </a:r>
-            <a:endParaRPr lang="fr-FR" sz="1000" i="1" baseline="-25000" dirty="0"/>
           </a:p>
         </p:txBody>
       </p:sp>
@@ -6130,31 +6056,23 @@
           <a:p>
             <a:pPr algn="ctr"/>
             <a:r>
-              <a:rPr lang="fr-FR" sz="1000" i="1" dirty="0" smtClean="0"/>
-              <a:t>Écarts</a:t>
-            </a:r>
-            <a:r>
               <a:rPr lang="fr-FR" sz="1000" i="1" dirty="0"/>
-              <a:t> </a:t>
-            </a:r>
-            <a:r>
-              <a:rPr lang="fr-FR" sz="1000" i="1" dirty="0" smtClean="0"/>
+              <a:t>Écarts J</a:t>
+            </a:r>
+            <a:r>
+              <a:rPr lang="fr-FR" sz="1000" i="1" baseline="-25000" dirty="0"/>
+              <a:t>SW</a:t>
+            </a:r>
+            <a:r>
+              <a:rPr lang="fr-FR" sz="1000" i="1" dirty="0"/>
+              <a:t> – </a:t>
+            </a:r>
+            <a:r>
+              <a:rPr lang="fr-FR" sz="1000" i="1" dirty="0" err="1"/>
               <a:t>J</a:t>
             </a:r>
             <a:r>
-              <a:rPr lang="fr-FR" sz="1000" i="1" baseline="-25000" dirty="0" smtClean="0"/>
-              <a:t>SW</a:t>
-            </a:r>
-            <a:r>
-              <a:rPr lang="fr-FR" sz="1000" i="1" dirty="0" smtClean="0"/>
-              <a:t> – </a:t>
-            </a:r>
-            <a:r>
-              <a:rPr lang="fr-FR" sz="1000" i="1" dirty="0" err="1" smtClean="0"/>
-              <a:t>J</a:t>
-            </a:r>
-            <a:r>
-              <a:rPr lang="fr-FR" sz="1000" i="1" baseline="-25000" dirty="0" err="1" smtClean="0"/>
+              <a:rPr lang="fr-FR" sz="1000" i="1" baseline="-25000" dirty="0" err="1"/>
               <a:t>sim</a:t>
             </a:r>
             <a:endParaRPr lang="fr-FR" sz="1000" i="1" baseline="-25000" dirty="0"/>
@@ -6185,7 +6103,7 @@
           <a:p>
             <a:pPr algn="ctr"/>
             <a:r>
-              <a:rPr lang="fr-FR" sz="1000" i="1" dirty="0" smtClean="0"/>
+              <a:rPr lang="fr-FR" sz="1000" i="1" dirty="0"/>
               <a:t>Bilan</a:t>
             </a:r>
             <a:endParaRPr lang="fr-FR" sz="1000" i="1" baseline="-25000" dirty="0"/>
@@ -6439,13 +6357,6 @@
   <p:clrMapOvr>
     <a:masterClrMapping/>
   </p:clrMapOvr>
-  <p:timing>
-    <p:tnLst>
-      <p:par>
-        <p:cTn id="1" dur="indefinite" restart="never" nodeType="tmRoot"/>
-      </p:par>
-    </p:tnLst>
-  </p:timing>
 </p:sld>
 </file>
 
